--- a/paper/神经网络的自动化数值解析技术.pptx
+++ b/paper/神经网络的自动化数值解析技术.pptx
@@ -5,19 +5,20 @@
     <p:sldMasterId id="2147483648" r:id="rId1"/>
   </p:sldMasterIdLst>
   <p:notesMasterIdLst>
-    <p:notesMasterId r:id="rId12"/>
+    <p:notesMasterId r:id="rId13"/>
   </p:notesMasterIdLst>
   <p:sldIdLst>
     <p:sldId id="256" r:id="rId2"/>
     <p:sldId id="266" r:id="rId3"/>
     <p:sldId id="258" r:id="rId4"/>
     <p:sldId id="265" r:id="rId5"/>
-    <p:sldId id="259" r:id="rId6"/>
-    <p:sldId id="260" r:id="rId7"/>
-    <p:sldId id="261" r:id="rId8"/>
-    <p:sldId id="262" r:id="rId9"/>
-    <p:sldId id="263" r:id="rId10"/>
-    <p:sldId id="264" r:id="rId11"/>
+    <p:sldId id="267" r:id="rId6"/>
+    <p:sldId id="259" r:id="rId7"/>
+    <p:sldId id="260" r:id="rId8"/>
+    <p:sldId id="261" r:id="rId9"/>
+    <p:sldId id="262" r:id="rId10"/>
+    <p:sldId id="263" r:id="rId11"/>
+    <p:sldId id="264" r:id="rId12"/>
   </p:sldIdLst>
   <p:sldSz cx="12192000" cy="6858000"/>
   <p:notesSz cx="6858000" cy="9144000"/>
@@ -206,7 +207,7 @@
           <a:p>
             <a:fld id="{36BE5BE7-34C4-4BD1-8707-5D37823136BA}" type="datetimeFigureOut">
               <a:rPr lang="zh-CN" altLang="en-US" smtClean="0"/>
-              <a:t>2018/5/19</a:t>
+              <a:t>2018/5/31</a:t>
             </a:fld>
             <a:endParaRPr lang="zh-CN" altLang="en-US"/>
           </a:p>
@@ -517,7 +518,10 @@
           <a:bodyPr/>
           <a:lstStyle/>
           <a:p>
-            <a:endParaRPr lang="zh-CN" altLang="en-US" dirty="0"/>
+            <a:r>
+              <a:rPr lang="zh-CN" altLang="en-US" dirty="0"/>
+              <a:t>并不知道为什么会这么运算，内部的数学意义是什么</a:t>
+            </a:r>
           </a:p>
         </p:txBody>
       </p:sp>
@@ -601,7 +605,10 @@
           <a:bodyPr/>
           <a:lstStyle/>
           <a:p>
-            <a:endParaRPr lang="zh-CN" altLang="en-US" dirty="0"/>
+            <a:r>
+              <a:rPr lang="zh-CN" altLang="en-US" dirty="0"/>
+              <a:t>权重或是激活函数的可视化实验</a:t>
+            </a:r>
           </a:p>
         </p:txBody>
       </p:sp>
@@ -632,6 +639,298 @@
     <p:extLst>
       <p:ext uri="{BB962C8B-B14F-4D97-AF65-F5344CB8AC3E}">
         <p14:creationId xmlns:p14="http://schemas.microsoft.com/office/powerpoint/2010/main" val="367163852"/>
+      </p:ext>
+    </p:extLst>
+  </p:cSld>
+  <p:clrMapOvr>
+    <a:masterClrMapping/>
+  </p:clrMapOvr>
+</p:notes>
+</file>
+
+<file path=ppt/notesSlides/notesSlide3.xml><?xml version="1.0" encoding="utf-8"?>
+<p:notes xmlns:a="http://schemas.openxmlformats.org/drawingml/2006/main" xmlns:r="http://schemas.openxmlformats.org/officeDocument/2006/relationships" xmlns:p="http://schemas.openxmlformats.org/presentationml/2006/main">
+  <p:cSld>
+    <p:spTree>
+      <p:nvGrpSpPr>
+        <p:cNvPr id="1" name=""/>
+        <p:cNvGrpSpPr/>
+        <p:nvPr/>
+      </p:nvGrpSpPr>
+      <p:grpSpPr>
+        <a:xfrm>
+          <a:off x="0" y="0"/>
+          <a:ext cx="0" cy="0"/>
+          <a:chOff x="0" y="0"/>
+          <a:chExt cx="0" cy="0"/>
+        </a:xfrm>
+      </p:grpSpPr>
+      <p:sp>
+        <p:nvSpPr>
+          <p:cNvPr id="2" name="幻灯片图像占位符 1"/>
+          <p:cNvSpPr>
+            <a:spLocks noGrp="1" noRot="1" noChangeAspect="1"/>
+          </p:cNvSpPr>
+          <p:nvPr>
+            <p:ph type="sldImg"/>
+          </p:nvPr>
+        </p:nvSpPr>
+        <p:spPr/>
+      </p:sp>
+      <p:sp>
+        <p:nvSpPr>
+          <p:cNvPr id="3" name="备注占位符 2"/>
+          <p:cNvSpPr>
+            <a:spLocks noGrp="1"/>
+          </p:cNvSpPr>
+          <p:nvPr>
+            <p:ph type="body" idx="1"/>
+          </p:nvPr>
+        </p:nvSpPr>
+        <p:spPr/>
+        <p:txBody>
+          <a:bodyPr/>
+          <a:lstStyle/>
+          <a:p>
+            <a:r>
+              <a:rPr lang="zh-CN" altLang="en-US"/>
+              <a:t>激活函数使得神经网络</a:t>
+            </a:r>
+            <a:r>
+              <a:rPr lang="zh-CN" altLang="en-US" dirty="0"/>
+              <a:t>能够</a:t>
+            </a:r>
+            <a:r>
+              <a:rPr lang="zh-CN" altLang="en-US"/>
+              <a:t>模拟</a:t>
+            </a:r>
+            <a:r>
+              <a:rPr lang="zh-CN" altLang="en-US" dirty="0"/>
+              <a:t>任意非线性关系</a:t>
+            </a:r>
+            <a:endParaRPr lang="en-US" altLang="zh-CN" dirty="0"/>
+          </a:p>
+          <a:p>
+            <a:r>
+              <a:rPr lang="en-US" altLang="zh-CN" dirty="0" err="1"/>
+              <a:t>ReLU</a:t>
+            </a:r>
+            <a:r>
+              <a:rPr lang="zh-CN" altLang="en-US" dirty="0"/>
+              <a:t>函数其简单的相比于</a:t>
+            </a:r>
+            <a:r>
+              <a:rPr lang="en-US" altLang="zh-CN" dirty="0"/>
+              <a:t>0</a:t>
+            </a:r>
+            <a:r>
+              <a:rPr lang="zh-CN" altLang="en-US" dirty="0"/>
+              <a:t>大小的映射关系处理也使得我们能够将神经网络运算归并为一组分段函数</a:t>
+            </a:r>
+          </a:p>
+        </p:txBody>
+      </p:sp>
+      <p:sp>
+        <p:nvSpPr>
+          <p:cNvPr id="4" name="灯片编号占位符 3"/>
+          <p:cNvSpPr>
+            <a:spLocks noGrp="1"/>
+          </p:cNvSpPr>
+          <p:nvPr>
+            <p:ph type="sldNum" sz="quarter" idx="10"/>
+          </p:nvPr>
+        </p:nvSpPr>
+        <p:spPr/>
+        <p:txBody>
+          <a:bodyPr/>
+          <a:lstStyle/>
+          <a:p>
+            <a:fld id="{A8AE9849-EC96-4712-8B9B-0A1A67AF9C89}" type="slidenum">
+              <a:rPr lang="zh-CN" altLang="en-US" smtClean="0"/>
+              <a:t>5</a:t>
+            </a:fld>
+            <a:endParaRPr lang="zh-CN" altLang="en-US"/>
+          </a:p>
+        </p:txBody>
+      </p:sp>
+    </p:spTree>
+    <p:extLst>
+      <p:ext uri="{BB962C8B-B14F-4D97-AF65-F5344CB8AC3E}">
+        <p14:creationId xmlns:p14="http://schemas.microsoft.com/office/powerpoint/2010/main" val="630704297"/>
+      </p:ext>
+    </p:extLst>
+  </p:cSld>
+  <p:clrMapOvr>
+    <a:masterClrMapping/>
+  </p:clrMapOvr>
+</p:notes>
+</file>
+
+<file path=ppt/notesSlides/notesSlide4.xml><?xml version="1.0" encoding="utf-8"?>
+<p:notes xmlns:a="http://schemas.openxmlformats.org/drawingml/2006/main" xmlns:r="http://schemas.openxmlformats.org/officeDocument/2006/relationships" xmlns:p="http://schemas.openxmlformats.org/presentationml/2006/main">
+  <p:cSld>
+    <p:spTree>
+      <p:nvGrpSpPr>
+        <p:cNvPr id="1" name=""/>
+        <p:cNvGrpSpPr/>
+        <p:nvPr/>
+      </p:nvGrpSpPr>
+      <p:grpSpPr>
+        <a:xfrm>
+          <a:off x="0" y="0"/>
+          <a:ext cx="0" cy="0"/>
+          <a:chOff x="0" y="0"/>
+          <a:chExt cx="0" cy="0"/>
+        </a:xfrm>
+      </p:grpSpPr>
+      <p:sp>
+        <p:nvSpPr>
+          <p:cNvPr id="2" name="幻灯片图像占位符 1"/>
+          <p:cNvSpPr>
+            <a:spLocks noGrp="1" noRot="1" noChangeAspect="1"/>
+          </p:cNvSpPr>
+          <p:nvPr>
+            <p:ph type="sldImg"/>
+          </p:nvPr>
+        </p:nvSpPr>
+        <p:spPr/>
+      </p:sp>
+      <p:sp>
+        <p:nvSpPr>
+          <p:cNvPr id="3" name="备注占位符 2"/>
+          <p:cNvSpPr>
+            <a:spLocks noGrp="1"/>
+          </p:cNvSpPr>
+          <p:nvPr>
+            <p:ph type="body" idx="1"/>
+          </p:nvPr>
+        </p:nvSpPr>
+        <p:spPr/>
+        <p:txBody>
+          <a:bodyPr/>
+          <a:lstStyle/>
+          <a:p>
+            <a:r>
+              <a:rPr lang="zh-CN" altLang="en-US" dirty="0"/>
+              <a:t>数值解析为一组分段函数，当输入数据满足某一范围时，其输出值可直接通过对应的线性表达式计算出来</a:t>
+            </a:r>
+          </a:p>
+        </p:txBody>
+      </p:sp>
+      <p:sp>
+        <p:nvSpPr>
+          <p:cNvPr id="4" name="灯片编号占位符 3"/>
+          <p:cNvSpPr>
+            <a:spLocks noGrp="1"/>
+          </p:cNvSpPr>
+          <p:nvPr>
+            <p:ph type="sldNum" sz="quarter" idx="10"/>
+          </p:nvPr>
+        </p:nvSpPr>
+        <p:spPr/>
+        <p:txBody>
+          <a:bodyPr/>
+          <a:lstStyle/>
+          <a:p>
+            <a:fld id="{A8AE9849-EC96-4712-8B9B-0A1A67AF9C89}" type="slidenum">
+              <a:rPr lang="zh-CN" altLang="en-US" smtClean="0"/>
+              <a:t>6</a:t>
+            </a:fld>
+            <a:endParaRPr lang="zh-CN" altLang="en-US"/>
+          </a:p>
+        </p:txBody>
+      </p:sp>
+    </p:spTree>
+    <p:extLst>
+      <p:ext uri="{BB962C8B-B14F-4D97-AF65-F5344CB8AC3E}">
+        <p14:creationId xmlns:p14="http://schemas.microsoft.com/office/powerpoint/2010/main" val="4065265452"/>
+      </p:ext>
+    </p:extLst>
+  </p:cSld>
+  <p:clrMapOvr>
+    <a:masterClrMapping/>
+  </p:clrMapOvr>
+</p:notes>
+</file>
+
+<file path=ppt/notesSlides/notesSlide5.xml><?xml version="1.0" encoding="utf-8"?>
+<p:notes xmlns:a="http://schemas.openxmlformats.org/drawingml/2006/main" xmlns:r="http://schemas.openxmlformats.org/officeDocument/2006/relationships" xmlns:p="http://schemas.openxmlformats.org/presentationml/2006/main">
+  <p:cSld>
+    <p:spTree>
+      <p:nvGrpSpPr>
+        <p:cNvPr id="1" name=""/>
+        <p:cNvGrpSpPr/>
+        <p:nvPr/>
+      </p:nvGrpSpPr>
+      <p:grpSpPr>
+        <a:xfrm>
+          <a:off x="0" y="0"/>
+          <a:ext cx="0" cy="0"/>
+          <a:chOff x="0" y="0"/>
+          <a:chExt cx="0" cy="0"/>
+        </a:xfrm>
+      </p:grpSpPr>
+      <p:sp>
+        <p:nvSpPr>
+          <p:cNvPr id="2" name="幻灯片图像占位符 1"/>
+          <p:cNvSpPr>
+            <a:spLocks noGrp="1" noRot="1" noChangeAspect="1"/>
+          </p:cNvSpPr>
+          <p:nvPr>
+            <p:ph type="sldImg"/>
+          </p:nvPr>
+        </p:nvSpPr>
+        <p:spPr/>
+      </p:sp>
+      <p:sp>
+        <p:nvSpPr>
+          <p:cNvPr id="3" name="备注占位符 2"/>
+          <p:cNvSpPr>
+            <a:spLocks noGrp="1"/>
+          </p:cNvSpPr>
+          <p:nvPr>
+            <p:ph type="body" idx="1"/>
+          </p:nvPr>
+        </p:nvSpPr>
+        <p:spPr/>
+        <p:txBody>
+          <a:bodyPr/>
+          <a:lstStyle/>
+          <a:p>
+            <a:r>
+              <a:rPr lang="zh-CN" altLang="en-US" dirty="0"/>
+              <a:t>无限拟合于输入数据与输出数据的原始映射关系</a:t>
+            </a:r>
+          </a:p>
+        </p:txBody>
+      </p:sp>
+      <p:sp>
+        <p:nvSpPr>
+          <p:cNvPr id="4" name="灯片编号占位符 3"/>
+          <p:cNvSpPr>
+            <a:spLocks noGrp="1"/>
+          </p:cNvSpPr>
+          <p:nvPr>
+            <p:ph type="sldNum" sz="quarter" idx="10"/>
+          </p:nvPr>
+        </p:nvSpPr>
+        <p:spPr/>
+        <p:txBody>
+          <a:bodyPr/>
+          <a:lstStyle/>
+          <a:p>
+            <a:fld id="{A8AE9849-EC96-4712-8B9B-0A1A67AF9C89}" type="slidenum">
+              <a:rPr lang="zh-CN" altLang="en-US" smtClean="0"/>
+              <a:t>9</a:t>
+            </a:fld>
+            <a:endParaRPr lang="zh-CN" altLang="en-US"/>
+          </a:p>
+        </p:txBody>
+      </p:sp>
+    </p:spTree>
+    <p:extLst>
+      <p:ext uri="{BB962C8B-B14F-4D97-AF65-F5344CB8AC3E}">
+        <p14:creationId xmlns:p14="http://schemas.microsoft.com/office/powerpoint/2010/main" val="3090564912"/>
       </p:ext>
     </p:extLst>
   </p:cSld>
@@ -788,7 +1087,7 @@
           <a:p>
             <a:fld id="{0E966A92-846B-4029-AE9B-BE3FADB0197B}" type="datetimeFigureOut">
               <a:rPr lang="zh-CN" altLang="en-US" smtClean="0"/>
-              <a:t>2018/5/19</a:t>
+              <a:t>2018/5/31</a:t>
             </a:fld>
             <a:endParaRPr lang="zh-CN" altLang="en-US"/>
           </a:p>
@@ -986,7 +1285,7 @@
           <a:p>
             <a:fld id="{0E966A92-846B-4029-AE9B-BE3FADB0197B}" type="datetimeFigureOut">
               <a:rPr lang="zh-CN" altLang="en-US" smtClean="0"/>
-              <a:t>2018/5/19</a:t>
+              <a:t>2018/5/31</a:t>
             </a:fld>
             <a:endParaRPr lang="zh-CN" altLang="en-US"/>
           </a:p>
@@ -1194,7 +1493,7 @@
           <a:p>
             <a:fld id="{0E966A92-846B-4029-AE9B-BE3FADB0197B}" type="datetimeFigureOut">
               <a:rPr lang="zh-CN" altLang="en-US" smtClean="0"/>
-              <a:t>2018/5/19</a:t>
+              <a:t>2018/5/31</a:t>
             </a:fld>
             <a:endParaRPr lang="zh-CN" altLang="en-US"/>
           </a:p>
@@ -1392,7 +1691,7 @@
           <a:p>
             <a:fld id="{0E966A92-846B-4029-AE9B-BE3FADB0197B}" type="datetimeFigureOut">
               <a:rPr lang="zh-CN" altLang="en-US" smtClean="0"/>
-              <a:t>2018/5/19</a:t>
+              <a:t>2018/5/31</a:t>
             </a:fld>
             <a:endParaRPr lang="zh-CN" altLang="en-US"/>
           </a:p>
@@ -1667,7 +1966,7 @@
           <a:p>
             <a:fld id="{0E966A92-846B-4029-AE9B-BE3FADB0197B}" type="datetimeFigureOut">
               <a:rPr lang="zh-CN" altLang="en-US" smtClean="0"/>
-              <a:t>2018/5/19</a:t>
+              <a:t>2018/5/31</a:t>
             </a:fld>
             <a:endParaRPr lang="zh-CN" altLang="en-US"/>
           </a:p>
@@ -1932,7 +2231,7 @@
           <a:p>
             <a:fld id="{0E966A92-846B-4029-AE9B-BE3FADB0197B}" type="datetimeFigureOut">
               <a:rPr lang="zh-CN" altLang="en-US" smtClean="0"/>
-              <a:t>2018/5/19</a:t>
+              <a:t>2018/5/31</a:t>
             </a:fld>
             <a:endParaRPr lang="zh-CN" altLang="en-US"/>
           </a:p>
@@ -2344,7 +2643,7 @@
           <a:p>
             <a:fld id="{0E966A92-846B-4029-AE9B-BE3FADB0197B}" type="datetimeFigureOut">
               <a:rPr lang="zh-CN" altLang="en-US" smtClean="0"/>
-              <a:t>2018/5/19</a:t>
+              <a:t>2018/5/31</a:t>
             </a:fld>
             <a:endParaRPr lang="zh-CN" altLang="en-US"/>
           </a:p>
@@ -2485,7 +2784,7 @@
           <a:p>
             <a:fld id="{0E966A92-846B-4029-AE9B-BE3FADB0197B}" type="datetimeFigureOut">
               <a:rPr lang="zh-CN" altLang="en-US" smtClean="0"/>
-              <a:t>2018/5/19</a:t>
+              <a:t>2018/5/31</a:t>
             </a:fld>
             <a:endParaRPr lang="zh-CN" altLang="en-US"/>
           </a:p>
@@ -2598,7 +2897,7 @@
           <a:p>
             <a:fld id="{0E966A92-846B-4029-AE9B-BE3FADB0197B}" type="datetimeFigureOut">
               <a:rPr lang="zh-CN" altLang="en-US" smtClean="0"/>
-              <a:t>2018/5/19</a:t>
+              <a:t>2018/5/31</a:t>
             </a:fld>
             <a:endParaRPr lang="zh-CN" altLang="en-US"/>
           </a:p>
@@ -2909,7 +3208,7 @@
           <a:p>
             <a:fld id="{0E966A92-846B-4029-AE9B-BE3FADB0197B}" type="datetimeFigureOut">
               <a:rPr lang="zh-CN" altLang="en-US" smtClean="0"/>
-              <a:t>2018/5/19</a:t>
+              <a:t>2018/5/31</a:t>
             </a:fld>
             <a:endParaRPr lang="zh-CN" altLang="en-US"/>
           </a:p>
@@ -3197,7 +3496,7 @@
           <a:p>
             <a:fld id="{0E966A92-846B-4029-AE9B-BE3FADB0197B}" type="datetimeFigureOut">
               <a:rPr lang="zh-CN" altLang="en-US" smtClean="0"/>
-              <a:t>2018/5/19</a:t>
+              <a:t>2018/5/31</a:t>
             </a:fld>
             <a:endParaRPr lang="zh-CN" altLang="en-US"/>
           </a:p>
@@ -3438,7 +3737,7 @@
           <a:p>
             <a:fld id="{0E966A92-846B-4029-AE9B-BE3FADB0197B}" type="datetimeFigureOut">
               <a:rPr lang="zh-CN" altLang="en-US" smtClean="0"/>
-              <a:t>2018/5/19</a:t>
+              <a:t>2018/5/31</a:t>
             </a:fld>
             <a:endParaRPr lang="zh-CN" altLang="en-US"/>
           </a:p>
@@ -4312,6 +4611,825 @@
 </file>
 
 <file path=ppt/slides/slide10.xml><?xml version="1.0" encoding="utf-8"?>
+<p:sld xmlns:a="http://schemas.openxmlformats.org/drawingml/2006/main" xmlns:r="http://schemas.openxmlformats.org/officeDocument/2006/relationships" xmlns:p="http://schemas.openxmlformats.org/presentationml/2006/main">
+  <p:cSld>
+    <p:spTree>
+      <p:nvGrpSpPr>
+        <p:cNvPr id="1" name=""/>
+        <p:cNvGrpSpPr/>
+        <p:nvPr/>
+      </p:nvGrpSpPr>
+      <p:grpSpPr>
+        <a:xfrm>
+          <a:off x="0" y="0"/>
+          <a:ext cx="0" cy="0"/>
+          <a:chOff x="0" y="0"/>
+          <a:chExt cx="0" cy="0"/>
+        </a:xfrm>
+      </p:grpSpPr>
+      <p:pic>
+        <p:nvPicPr>
+          <p:cNvPr id="4" name="内容占位符 8">
+            <a:extLst>
+              <a:ext uri="{FF2B5EF4-FFF2-40B4-BE49-F238E27FC236}">
+                <a16:creationId xmlns:a16="http://schemas.microsoft.com/office/drawing/2014/main" id="{10CC6331-8835-4F2E-A5C0-87613E6B7ADB}"/>
+              </a:ext>
+            </a:extLst>
+          </p:cNvPr>
+          <p:cNvPicPr>
+            <a:picLocks noChangeAspect="1"/>
+          </p:cNvPicPr>
+          <p:nvPr/>
+        </p:nvPicPr>
+        <p:blipFill>
+          <a:blip r:embed="rId2">
+            <a:clrChange>
+              <a:clrFrom>
+                <a:srgbClr val="FFFFFF"/>
+              </a:clrFrom>
+              <a:clrTo>
+                <a:srgbClr val="FFFFFF">
+                  <a:alpha val="0"/>
+                </a:srgbClr>
+              </a:clrTo>
+            </a:clrChange>
+          </a:blip>
+          <a:stretch>
+            <a:fillRect/>
+          </a:stretch>
+        </p:blipFill>
+        <p:spPr>
+          <a:xfrm>
+            <a:off x="10365854" y="220505"/>
+            <a:ext cx="1826146" cy="618613"/>
+          </a:xfrm>
+          <a:prstGeom prst="rect">
+            <a:avLst/>
+          </a:prstGeom>
+          <a:noFill/>
+          <a:ln w="9525">
+            <a:noFill/>
+          </a:ln>
+        </p:spPr>
+      </p:pic>
+      <p:sp>
+        <p:nvSpPr>
+          <p:cNvPr id="5" name="矩形 4">
+            <a:extLst>
+              <a:ext uri="{FF2B5EF4-FFF2-40B4-BE49-F238E27FC236}">
+                <a16:creationId xmlns:a16="http://schemas.microsoft.com/office/drawing/2014/main" id="{5BD734CA-00C2-4B52-BDC8-BFEBF55374EF}"/>
+              </a:ext>
+            </a:extLst>
+          </p:cNvPr>
+          <p:cNvSpPr/>
+          <p:nvPr/>
+        </p:nvSpPr>
+        <p:spPr>
+          <a:xfrm>
+            <a:off x="0" y="435513"/>
+            <a:ext cx="142867" cy="188600"/>
+          </a:xfrm>
+          <a:prstGeom prst="rect">
+            <a:avLst/>
+          </a:prstGeom>
+          <a:solidFill>
+            <a:srgbClr val="7030A0"/>
+          </a:solidFill>
+          <a:ln>
+            <a:noFill/>
+          </a:ln>
+        </p:spPr>
+        <p:style>
+          <a:lnRef idx="2">
+            <a:schemeClr val="accent1">
+              <a:shade val="50000"/>
+            </a:schemeClr>
+          </a:lnRef>
+          <a:fillRef idx="1">
+            <a:schemeClr val="accent1"/>
+          </a:fillRef>
+          <a:effectRef idx="0">
+            <a:schemeClr val="accent1"/>
+          </a:effectRef>
+          <a:fontRef idx="minor">
+            <a:schemeClr val="lt1"/>
+          </a:fontRef>
+        </p:style>
+        <p:txBody>
+          <a:bodyPr rtlCol="0" anchor="ctr"/>
+          <a:lstStyle/>
+          <a:p>
+            <a:pPr algn="ctr"/>
+            <a:endParaRPr lang="zh-CN" altLang="en-US" sz="1898">
+              <a:solidFill>
+                <a:srgbClr val="7030A0"/>
+              </a:solidFill>
+              <a:latin typeface="微软雅黑" panose="020B0503020204020204" pitchFamily="34" charset="-122"/>
+              <a:ea typeface="微软雅黑" panose="020B0503020204020204" pitchFamily="34" charset="-122"/>
+              <a:cs typeface="+mn-ea"/>
+              <a:sym typeface="+mn-lt"/>
+            </a:endParaRPr>
+          </a:p>
+        </p:txBody>
+      </p:sp>
+      <p:sp>
+        <p:nvSpPr>
+          <p:cNvPr id="6" name="文本框 5">
+            <a:extLst>
+              <a:ext uri="{FF2B5EF4-FFF2-40B4-BE49-F238E27FC236}">
+                <a16:creationId xmlns:a16="http://schemas.microsoft.com/office/drawing/2014/main" id="{ACEF4986-0F5C-4569-9E01-802A115B76B4}"/>
+              </a:ext>
+            </a:extLst>
+          </p:cNvPr>
+          <p:cNvSpPr txBox="1"/>
+          <p:nvPr/>
+        </p:nvSpPr>
+        <p:spPr>
+          <a:xfrm>
+            <a:off x="142867" y="329756"/>
+            <a:ext cx="697627" cy="400110"/>
+          </a:xfrm>
+          <a:prstGeom prst="rect">
+            <a:avLst/>
+          </a:prstGeom>
+          <a:noFill/>
+        </p:spPr>
+        <p:txBody>
+          <a:bodyPr wrap="none" rtlCol="0">
+            <a:spAutoFit/>
+          </a:bodyPr>
+          <a:lstStyle/>
+          <a:p>
+            <a:r>
+              <a:rPr lang="zh-CN" altLang="en-US" sz="2000" dirty="0">
+                <a:latin typeface="微软雅黑" panose="020B0503020204020204" pitchFamily="34" charset="-122"/>
+                <a:ea typeface="微软雅黑" panose="020B0503020204020204" pitchFamily="34" charset="-122"/>
+              </a:rPr>
+              <a:t>展望</a:t>
+            </a:r>
+          </a:p>
+        </p:txBody>
+      </p:sp>
+      <p:grpSp>
+        <p:nvGrpSpPr>
+          <p:cNvPr id="32" name="组合 31">
+            <a:extLst>
+              <a:ext uri="{FF2B5EF4-FFF2-40B4-BE49-F238E27FC236}">
+                <a16:creationId xmlns:a16="http://schemas.microsoft.com/office/drawing/2014/main" id="{04FAA91F-D652-4DA0-8FBE-EC2CFE9996FC}"/>
+              </a:ext>
+            </a:extLst>
+          </p:cNvPr>
+          <p:cNvGrpSpPr/>
+          <p:nvPr/>
+        </p:nvGrpSpPr>
+        <p:grpSpPr>
+          <a:xfrm>
+            <a:off x="3831542" y="2065774"/>
+            <a:ext cx="4759747" cy="3034976"/>
+            <a:chOff x="4471505" y="1826462"/>
+            <a:chExt cx="4759747" cy="3034976"/>
+          </a:xfrm>
+        </p:grpSpPr>
+        <p:grpSp>
+          <p:nvGrpSpPr>
+            <p:cNvPr id="33" name="组合 32">
+              <a:extLst>
+                <a:ext uri="{FF2B5EF4-FFF2-40B4-BE49-F238E27FC236}">
+                  <a16:creationId xmlns:a16="http://schemas.microsoft.com/office/drawing/2014/main" id="{139451F8-FFA8-4CC2-92C3-EEAB56099426}"/>
+                </a:ext>
+              </a:extLst>
+            </p:cNvPr>
+            <p:cNvGrpSpPr/>
+            <p:nvPr/>
+          </p:nvGrpSpPr>
+          <p:grpSpPr>
+            <a:xfrm>
+              <a:off x="4471505" y="1826462"/>
+              <a:ext cx="3063046" cy="447870"/>
+              <a:chOff x="3536301" y="1369653"/>
+              <a:chExt cx="3063046" cy="447870"/>
+            </a:xfrm>
+          </p:grpSpPr>
+          <p:sp>
+            <p:nvSpPr>
+              <p:cNvPr id="49" name="六边形 48" descr="e7d195523061f1c021b92b3d25e54ab5e788c0576048880950C3AFFA1066A7153250F1349197BA8C5246BA9D557EC0274B8DA272D2431748978789E76D2CD7D1F11E7447C1D163F5D9CA1CD35DC7B6F0026C6BB43698AE8A1A50A3B34DA472CDA8898A116D2621F720577CEB1EC5AE786B3A577EC3E762EF9351D5FE95BB5FD00056FCA016A5904C">
+                <a:extLst>
+                  <a:ext uri="{FF2B5EF4-FFF2-40B4-BE49-F238E27FC236}">
+                    <a16:creationId xmlns:a16="http://schemas.microsoft.com/office/drawing/2014/main" id="{ABC47C8C-C8E2-44A2-A895-F5D832411DAC}"/>
+                  </a:ext>
+                </a:extLst>
+              </p:cNvPr>
+              <p:cNvSpPr/>
+              <p:nvPr/>
+            </p:nvSpPr>
+            <p:spPr>
+              <a:xfrm>
+                <a:off x="3536301" y="1369653"/>
+                <a:ext cx="671805" cy="447870"/>
+              </a:xfrm>
+              <a:prstGeom prst="hexagon">
+                <a:avLst/>
+              </a:prstGeom>
+              <a:solidFill>
+                <a:schemeClr val="tx1"/>
+              </a:solidFill>
+              <a:ln>
+                <a:noFill/>
+              </a:ln>
+            </p:spPr>
+            <p:style>
+              <a:lnRef idx="2">
+                <a:schemeClr val="accent1">
+                  <a:shade val="50000"/>
+                </a:schemeClr>
+              </a:lnRef>
+              <a:fillRef idx="1">
+                <a:schemeClr val="accent1"/>
+              </a:fillRef>
+              <a:effectRef idx="0">
+                <a:schemeClr val="accent1"/>
+              </a:effectRef>
+              <a:fontRef idx="minor">
+                <a:schemeClr val="lt1"/>
+              </a:fontRef>
+            </p:style>
+            <p:txBody>
+              <a:bodyPr rtlCol="0" anchor="ctr"/>
+              <a:lstStyle/>
+              <a:p>
+                <a:pPr algn="ctr"/>
+                <a:r>
+                  <a:rPr lang="en-US" altLang="zh-CN" sz="2000" dirty="0">
+                    <a:latin typeface="微软雅黑" panose="020B0503020204020204" pitchFamily="34" charset="-122"/>
+                    <a:ea typeface="微软雅黑" panose="020B0503020204020204" pitchFamily="34" charset="-122"/>
+                  </a:rPr>
+                  <a:t>1</a:t>
+                </a:r>
+                <a:endParaRPr lang="zh-CN" altLang="en-US" sz="2000" dirty="0">
+                  <a:latin typeface="微软雅黑" panose="020B0503020204020204" pitchFamily="34" charset="-122"/>
+                  <a:ea typeface="微软雅黑" panose="020B0503020204020204" pitchFamily="34" charset="-122"/>
+                </a:endParaRPr>
+              </a:p>
+            </p:txBody>
+          </p:sp>
+          <p:sp>
+            <p:nvSpPr>
+              <p:cNvPr id="50" name="文本框 49">
+                <a:extLst>
+                  <a:ext uri="{FF2B5EF4-FFF2-40B4-BE49-F238E27FC236}">
+                    <a16:creationId xmlns:a16="http://schemas.microsoft.com/office/drawing/2014/main" id="{73F74D1D-C4EC-4C0F-B77D-F179235BD36C}"/>
+                  </a:ext>
+                </a:extLst>
+              </p:cNvPr>
+              <p:cNvSpPr txBox="1"/>
+              <p:nvPr/>
+            </p:nvSpPr>
+            <p:spPr>
+              <a:xfrm>
+                <a:off x="4337189" y="1408922"/>
+                <a:ext cx="2262158" cy="369332"/>
+              </a:xfrm>
+              <a:prstGeom prst="rect">
+                <a:avLst/>
+              </a:prstGeom>
+              <a:noFill/>
+            </p:spPr>
+            <p:txBody>
+              <a:bodyPr vert="horz" wrap="none" rtlCol="0">
+                <a:spAutoFit/>
+              </a:bodyPr>
+              <a:lstStyle/>
+              <a:p>
+                <a:r>
+                  <a:rPr lang="zh-CN" altLang="en-US" dirty="0">
+                    <a:latin typeface="微软雅黑" panose="020B0503020204020204" pitchFamily="34" charset="-122"/>
+                    <a:ea typeface="微软雅黑" panose="020B0503020204020204" pitchFamily="34" charset="-122"/>
+                  </a:rPr>
+                  <a:t>适用于其它激活函数</a:t>
+                </a:r>
+                <a:endParaRPr lang="en-US" altLang="zh-CN" dirty="0">
+                  <a:latin typeface="微软雅黑" panose="020B0503020204020204" pitchFamily="34" charset="-122"/>
+                  <a:ea typeface="微软雅黑" panose="020B0503020204020204" pitchFamily="34" charset="-122"/>
+                </a:endParaRPr>
+              </a:p>
+            </p:txBody>
+          </p:sp>
+        </p:grpSp>
+        <p:grpSp>
+          <p:nvGrpSpPr>
+            <p:cNvPr id="34" name="组合 33">
+              <a:extLst>
+                <a:ext uri="{FF2B5EF4-FFF2-40B4-BE49-F238E27FC236}">
+                  <a16:creationId xmlns:a16="http://schemas.microsoft.com/office/drawing/2014/main" id="{438D60F5-2E2B-4CB7-89E2-D7DBE932B435}"/>
+                </a:ext>
+              </a:extLst>
+            </p:cNvPr>
+            <p:cNvGrpSpPr/>
+            <p:nvPr/>
+          </p:nvGrpSpPr>
+          <p:grpSpPr>
+            <a:xfrm>
+              <a:off x="4807407" y="2472607"/>
+              <a:ext cx="3986375" cy="447870"/>
+              <a:chOff x="3536301" y="1369653"/>
+              <a:chExt cx="3986375" cy="447870"/>
+            </a:xfrm>
+          </p:grpSpPr>
+          <p:sp>
+            <p:nvSpPr>
+              <p:cNvPr id="47" name="六边形 46" descr="e7d195523061f1c021b92b3d25e54ab5e788c0576048880950C3AFFA1066A7153250F1349197BA8C5246BA9D557EC0274B8DA272D2431748978789E76D2CD7D1F11E7447C1D163F5D9CA1CD35DC7B6F0026C6BB43698AE8A1A50A3B34DA472CDA8898A116D2621F720577CEB1EC5AE786B3A577EC3E762EF9351D5FE95BB5FD00056FCA016A5904C">
+                <a:extLst>
+                  <a:ext uri="{FF2B5EF4-FFF2-40B4-BE49-F238E27FC236}">
+                    <a16:creationId xmlns:a16="http://schemas.microsoft.com/office/drawing/2014/main" id="{1DE46A74-8922-4BFD-B6CA-738D26187BB7}"/>
+                  </a:ext>
+                </a:extLst>
+              </p:cNvPr>
+              <p:cNvSpPr/>
+              <p:nvPr/>
+            </p:nvSpPr>
+            <p:spPr>
+              <a:xfrm>
+                <a:off x="3536301" y="1369653"/>
+                <a:ext cx="671805" cy="447870"/>
+              </a:xfrm>
+              <a:prstGeom prst="hexagon">
+                <a:avLst/>
+              </a:prstGeom>
+              <a:solidFill>
+                <a:schemeClr val="tx1"/>
+              </a:solidFill>
+              <a:ln>
+                <a:noFill/>
+              </a:ln>
+            </p:spPr>
+            <p:style>
+              <a:lnRef idx="2">
+                <a:schemeClr val="accent1">
+                  <a:shade val="50000"/>
+                </a:schemeClr>
+              </a:lnRef>
+              <a:fillRef idx="1">
+                <a:schemeClr val="accent1"/>
+              </a:fillRef>
+              <a:effectRef idx="0">
+                <a:schemeClr val="accent1"/>
+              </a:effectRef>
+              <a:fontRef idx="minor">
+                <a:schemeClr val="lt1"/>
+              </a:fontRef>
+            </p:style>
+            <p:txBody>
+              <a:bodyPr rtlCol="0" anchor="ctr"/>
+              <a:lstStyle/>
+              <a:p>
+                <a:pPr algn="ctr"/>
+                <a:r>
+                  <a:rPr lang="en-US" altLang="zh-CN" sz="2000" dirty="0">
+                    <a:latin typeface="微软雅黑" panose="020B0503020204020204" pitchFamily="34" charset="-122"/>
+                    <a:ea typeface="微软雅黑" panose="020B0503020204020204" pitchFamily="34" charset="-122"/>
+                  </a:rPr>
+                  <a:t>2</a:t>
+                </a:r>
+                <a:endParaRPr lang="zh-CN" altLang="en-US" sz="2000" dirty="0">
+                  <a:latin typeface="微软雅黑" panose="020B0503020204020204" pitchFamily="34" charset="-122"/>
+                  <a:ea typeface="微软雅黑" panose="020B0503020204020204" pitchFamily="34" charset="-122"/>
+                </a:endParaRPr>
+              </a:p>
+            </p:txBody>
+          </p:sp>
+          <p:sp>
+            <p:nvSpPr>
+              <p:cNvPr id="48" name="文本框 47">
+                <a:extLst>
+                  <a:ext uri="{FF2B5EF4-FFF2-40B4-BE49-F238E27FC236}">
+                    <a16:creationId xmlns:a16="http://schemas.microsoft.com/office/drawing/2014/main" id="{E86470FB-3596-4199-B6BE-83C686390424}"/>
+                  </a:ext>
+                </a:extLst>
+              </p:cNvPr>
+              <p:cNvSpPr txBox="1"/>
+              <p:nvPr/>
+            </p:nvSpPr>
+            <p:spPr>
+              <a:xfrm>
+                <a:off x="4337189" y="1408922"/>
+                <a:ext cx="3185487" cy="369332"/>
+              </a:xfrm>
+              <a:prstGeom prst="rect">
+                <a:avLst/>
+              </a:prstGeom>
+              <a:noFill/>
+            </p:spPr>
+            <p:txBody>
+              <a:bodyPr vert="horz" wrap="none" rtlCol="0">
+                <a:spAutoFit/>
+              </a:bodyPr>
+              <a:lstStyle/>
+              <a:p>
+                <a:r>
+                  <a:rPr lang="zh-CN" altLang="en-US" dirty="0">
+                    <a:latin typeface="微软雅黑" panose="020B0503020204020204" pitchFamily="34" charset="-122"/>
+                    <a:ea typeface="微软雅黑" panose="020B0503020204020204" pitchFamily="34" charset="-122"/>
+                  </a:rPr>
+                  <a:t>将数值解析过程的复杂度降低</a:t>
+                </a:r>
+                <a:endParaRPr lang="en-US" altLang="zh-CN" dirty="0">
+                  <a:latin typeface="微软雅黑" panose="020B0503020204020204" pitchFamily="34" charset="-122"/>
+                  <a:ea typeface="微软雅黑" panose="020B0503020204020204" pitchFamily="34" charset="-122"/>
+                </a:endParaRPr>
+              </a:p>
+            </p:txBody>
+          </p:sp>
+        </p:grpSp>
+        <p:grpSp>
+          <p:nvGrpSpPr>
+            <p:cNvPr id="35" name="组合 34">
+              <a:extLst>
+                <a:ext uri="{FF2B5EF4-FFF2-40B4-BE49-F238E27FC236}">
+                  <a16:creationId xmlns:a16="http://schemas.microsoft.com/office/drawing/2014/main" id="{AAD18C9E-D152-48B7-9819-DD5843FA318F}"/>
+                </a:ext>
+              </a:extLst>
+            </p:cNvPr>
+            <p:cNvGrpSpPr/>
+            <p:nvPr/>
+          </p:nvGrpSpPr>
+          <p:grpSpPr>
+            <a:xfrm>
+              <a:off x="5139807" y="3121278"/>
+              <a:ext cx="3524711" cy="447870"/>
+              <a:chOff x="3536301" y="1369653"/>
+              <a:chExt cx="3524711" cy="447870"/>
+            </a:xfrm>
+          </p:grpSpPr>
+          <p:sp>
+            <p:nvSpPr>
+              <p:cNvPr id="45" name="六边形 44" descr="e7d195523061f1c021b92b3d25e54ab5e788c0576048880950C3AFFA1066A7153250F1349197BA8C5246BA9D557EC0274B8DA272D2431748978789E76D2CD7D1F11E7447C1D163F5D9CA1CD35DC7B6F0026C6BB43698AE8A1A50A3B34DA472CDA8898A116D2621F720577CEB1EC5AE786B3A577EC3E762EF9351D5FE95BB5FD00056FCA016A5904C">
+                <a:extLst>
+                  <a:ext uri="{FF2B5EF4-FFF2-40B4-BE49-F238E27FC236}">
+                    <a16:creationId xmlns:a16="http://schemas.microsoft.com/office/drawing/2014/main" id="{13DFEC9A-06B8-448D-8AF9-AD128831E4BB}"/>
+                  </a:ext>
+                </a:extLst>
+              </p:cNvPr>
+              <p:cNvSpPr/>
+              <p:nvPr/>
+            </p:nvSpPr>
+            <p:spPr>
+              <a:xfrm>
+                <a:off x="3536301" y="1369653"/>
+                <a:ext cx="671805" cy="447870"/>
+              </a:xfrm>
+              <a:prstGeom prst="hexagon">
+                <a:avLst/>
+              </a:prstGeom>
+              <a:solidFill>
+                <a:schemeClr val="tx1"/>
+              </a:solidFill>
+              <a:ln>
+                <a:noFill/>
+              </a:ln>
+            </p:spPr>
+            <p:style>
+              <a:lnRef idx="2">
+                <a:schemeClr val="accent1">
+                  <a:shade val="50000"/>
+                </a:schemeClr>
+              </a:lnRef>
+              <a:fillRef idx="1">
+                <a:schemeClr val="accent1"/>
+              </a:fillRef>
+              <a:effectRef idx="0">
+                <a:schemeClr val="accent1"/>
+              </a:effectRef>
+              <a:fontRef idx="minor">
+                <a:schemeClr val="lt1"/>
+              </a:fontRef>
+            </p:style>
+            <p:txBody>
+              <a:bodyPr rtlCol="0" anchor="ctr"/>
+              <a:lstStyle/>
+              <a:p>
+                <a:pPr algn="ctr"/>
+                <a:r>
+                  <a:rPr lang="en-US" altLang="zh-CN" sz="2000" dirty="0">
+                    <a:latin typeface="微软雅黑" panose="020B0503020204020204" pitchFamily="34" charset="-122"/>
+                    <a:ea typeface="微软雅黑" panose="020B0503020204020204" pitchFamily="34" charset="-122"/>
+                  </a:rPr>
+                  <a:t>3</a:t>
+                </a:r>
+                <a:endParaRPr lang="zh-CN" altLang="en-US" sz="2000" dirty="0">
+                  <a:latin typeface="微软雅黑" panose="020B0503020204020204" pitchFamily="34" charset="-122"/>
+                  <a:ea typeface="微软雅黑" panose="020B0503020204020204" pitchFamily="34" charset="-122"/>
+                </a:endParaRPr>
+              </a:p>
+            </p:txBody>
+          </p:sp>
+          <p:sp>
+            <p:nvSpPr>
+              <p:cNvPr id="46" name="文本框 45">
+                <a:extLst>
+                  <a:ext uri="{FF2B5EF4-FFF2-40B4-BE49-F238E27FC236}">
+                    <a16:creationId xmlns:a16="http://schemas.microsoft.com/office/drawing/2014/main" id="{AC835C5E-39F1-4730-AE4E-43C7010D43CC}"/>
+                  </a:ext>
+                </a:extLst>
+              </p:cNvPr>
+              <p:cNvSpPr txBox="1"/>
+              <p:nvPr/>
+            </p:nvSpPr>
+            <p:spPr>
+              <a:xfrm>
+                <a:off x="4337189" y="1408922"/>
+                <a:ext cx="2723823" cy="369332"/>
+              </a:xfrm>
+              <a:prstGeom prst="rect">
+                <a:avLst/>
+              </a:prstGeom>
+              <a:noFill/>
+            </p:spPr>
+            <p:txBody>
+              <a:bodyPr vert="horz" wrap="none" rtlCol="0">
+                <a:spAutoFit/>
+              </a:bodyPr>
+              <a:lstStyle/>
+              <a:p>
+                <a:r>
+                  <a:rPr lang="zh-CN" altLang="en-US" dirty="0">
+                    <a:latin typeface="微软雅黑" panose="020B0503020204020204" pitchFamily="34" charset="-122"/>
+                    <a:ea typeface="微软雅黑" panose="020B0503020204020204" pitchFamily="34" charset="-122"/>
+                  </a:rPr>
+                  <a:t>灵活地将高维输入可视化</a:t>
+                </a:r>
+                <a:endParaRPr lang="en-US" altLang="zh-CN" dirty="0">
+                  <a:latin typeface="微软雅黑" panose="020B0503020204020204" pitchFamily="34" charset="-122"/>
+                  <a:ea typeface="微软雅黑" panose="020B0503020204020204" pitchFamily="34" charset="-122"/>
+                </a:endParaRPr>
+              </a:p>
+            </p:txBody>
+          </p:sp>
+        </p:grpSp>
+        <p:grpSp>
+          <p:nvGrpSpPr>
+            <p:cNvPr id="36" name="组合 35">
+              <a:extLst>
+                <a:ext uri="{FF2B5EF4-FFF2-40B4-BE49-F238E27FC236}">
+                  <a16:creationId xmlns:a16="http://schemas.microsoft.com/office/drawing/2014/main" id="{60039849-CEDC-4D18-91D6-5802718DCE9B}"/>
+                </a:ext>
+              </a:extLst>
+            </p:cNvPr>
+            <p:cNvGrpSpPr/>
+            <p:nvPr/>
+          </p:nvGrpSpPr>
+          <p:grpSpPr>
+            <a:xfrm>
+              <a:off x="5475709" y="3767423"/>
+              <a:ext cx="3755543" cy="447870"/>
+              <a:chOff x="3536301" y="1369653"/>
+              <a:chExt cx="3755543" cy="447870"/>
+            </a:xfrm>
+          </p:grpSpPr>
+          <p:sp>
+            <p:nvSpPr>
+              <p:cNvPr id="43" name="六边形 42" descr="e7d195523061f1c021b92b3d25e54ab5e788c0576048880950C3AFFA1066A7153250F1349197BA8C5246BA9D557EC0274B8DA272D2431748978789E76D2CD7D1F11E7447C1D163F5D9CA1CD35DC7B6F0026C6BB43698AE8A1A50A3B34DA472CDA8898A116D2621F720577CEB1EC5AE786B3A577EC3E762EF9351D5FE95BB5FD00056FCA016A5904C">
+                <a:extLst>
+                  <a:ext uri="{FF2B5EF4-FFF2-40B4-BE49-F238E27FC236}">
+                    <a16:creationId xmlns:a16="http://schemas.microsoft.com/office/drawing/2014/main" id="{A6E3B9EB-1396-4B0F-A191-D1D4CDD2BE75}"/>
+                  </a:ext>
+                </a:extLst>
+              </p:cNvPr>
+              <p:cNvSpPr/>
+              <p:nvPr/>
+            </p:nvSpPr>
+            <p:spPr>
+              <a:xfrm>
+                <a:off x="3536301" y="1369653"/>
+                <a:ext cx="671805" cy="447870"/>
+              </a:xfrm>
+              <a:prstGeom prst="hexagon">
+                <a:avLst/>
+              </a:prstGeom>
+              <a:solidFill>
+                <a:schemeClr val="tx1"/>
+              </a:solidFill>
+              <a:ln>
+                <a:noFill/>
+              </a:ln>
+            </p:spPr>
+            <p:style>
+              <a:lnRef idx="2">
+                <a:schemeClr val="accent1">
+                  <a:shade val="50000"/>
+                </a:schemeClr>
+              </a:lnRef>
+              <a:fillRef idx="1">
+                <a:schemeClr val="accent1"/>
+              </a:fillRef>
+              <a:effectRef idx="0">
+                <a:schemeClr val="accent1"/>
+              </a:effectRef>
+              <a:fontRef idx="minor">
+                <a:schemeClr val="lt1"/>
+              </a:fontRef>
+            </p:style>
+            <p:txBody>
+              <a:bodyPr rtlCol="0" anchor="ctr"/>
+              <a:lstStyle/>
+              <a:p>
+                <a:pPr algn="ctr"/>
+                <a:r>
+                  <a:rPr lang="en-US" altLang="zh-CN" sz="2000" dirty="0">
+                    <a:latin typeface="微软雅黑" panose="020B0503020204020204" pitchFamily="34" charset="-122"/>
+                    <a:ea typeface="微软雅黑" panose="020B0503020204020204" pitchFamily="34" charset="-122"/>
+                  </a:rPr>
+                  <a:t>4</a:t>
+                </a:r>
+                <a:endParaRPr lang="zh-CN" altLang="en-US" sz="2000" dirty="0">
+                  <a:latin typeface="微软雅黑" panose="020B0503020204020204" pitchFamily="34" charset="-122"/>
+                  <a:ea typeface="微软雅黑" panose="020B0503020204020204" pitchFamily="34" charset="-122"/>
+                </a:endParaRPr>
+              </a:p>
+            </p:txBody>
+          </p:sp>
+          <p:sp>
+            <p:nvSpPr>
+              <p:cNvPr id="44" name="文本框 43">
+                <a:extLst>
+                  <a:ext uri="{FF2B5EF4-FFF2-40B4-BE49-F238E27FC236}">
+                    <a16:creationId xmlns:a16="http://schemas.microsoft.com/office/drawing/2014/main" id="{F1085CE0-0BA0-49F7-AC77-7B180A96C3A7}"/>
+                  </a:ext>
+                </a:extLst>
+              </p:cNvPr>
+              <p:cNvSpPr txBox="1"/>
+              <p:nvPr/>
+            </p:nvSpPr>
+            <p:spPr>
+              <a:xfrm>
+                <a:off x="4337189" y="1408922"/>
+                <a:ext cx="2954655" cy="369332"/>
+              </a:xfrm>
+              <a:prstGeom prst="rect">
+                <a:avLst/>
+              </a:prstGeom>
+              <a:noFill/>
+            </p:spPr>
+            <p:txBody>
+              <a:bodyPr vert="horz" wrap="none" rtlCol="0">
+                <a:spAutoFit/>
+              </a:bodyPr>
+              <a:lstStyle/>
+              <a:p>
+                <a:r>
+                  <a:rPr lang="zh-CN" altLang="en-US" dirty="0">
+                    <a:latin typeface="微软雅黑" panose="020B0503020204020204" pitchFamily="34" charset="-122"/>
+                    <a:ea typeface="微软雅黑" panose="020B0503020204020204" pitchFamily="34" charset="-122"/>
+                  </a:rPr>
+                  <a:t>自动化分析系统的解析结果</a:t>
+                </a:r>
+                <a:endParaRPr lang="en-US" altLang="zh-CN" dirty="0">
+                  <a:latin typeface="微软雅黑" panose="020B0503020204020204" pitchFamily="34" charset="-122"/>
+                  <a:ea typeface="微软雅黑" panose="020B0503020204020204" pitchFamily="34" charset="-122"/>
+                </a:endParaRPr>
+              </a:p>
+            </p:txBody>
+          </p:sp>
+        </p:grpSp>
+        <p:grpSp>
+          <p:nvGrpSpPr>
+            <p:cNvPr id="37" name="组合 36">
+              <a:extLst>
+                <a:ext uri="{FF2B5EF4-FFF2-40B4-BE49-F238E27FC236}">
+                  <a16:creationId xmlns:a16="http://schemas.microsoft.com/office/drawing/2014/main" id="{DD9B7AC0-5AF1-4993-BF44-4EC2026A5179}"/>
+                </a:ext>
+              </a:extLst>
+            </p:cNvPr>
+            <p:cNvGrpSpPr/>
+            <p:nvPr/>
+          </p:nvGrpSpPr>
+          <p:grpSpPr>
+            <a:xfrm>
+              <a:off x="5811611" y="4413568"/>
+              <a:ext cx="3063046" cy="447870"/>
+              <a:chOff x="3536301" y="1369653"/>
+              <a:chExt cx="3063046" cy="447870"/>
+            </a:xfrm>
+          </p:grpSpPr>
+          <p:sp>
+            <p:nvSpPr>
+              <p:cNvPr id="41" name="六边形 40" descr="e7d195523061f1c021b92b3d25e54ab5e788c0576048880950C3AFFA1066A7153250F1349197BA8C5246BA9D557EC0274B8DA272D2431748978789E76D2CD7D1F11E7447C1D163F5D9CA1CD35DC7B6F0026C6BB43698AE8A1A50A3B34DA472CDA8898A116D2621F720577CEB1EC5AE786B3A577EC3E762EF9351D5FE95BB5FD00056FCA016A5904C">
+                <a:extLst>
+                  <a:ext uri="{FF2B5EF4-FFF2-40B4-BE49-F238E27FC236}">
+                    <a16:creationId xmlns:a16="http://schemas.microsoft.com/office/drawing/2014/main" id="{0DE31C42-18B0-4A93-9FD7-B2B45CD17120}"/>
+                  </a:ext>
+                </a:extLst>
+              </p:cNvPr>
+              <p:cNvSpPr/>
+              <p:nvPr/>
+            </p:nvSpPr>
+            <p:spPr>
+              <a:xfrm>
+                <a:off x="3536301" y="1369653"/>
+                <a:ext cx="671805" cy="447870"/>
+              </a:xfrm>
+              <a:prstGeom prst="hexagon">
+                <a:avLst/>
+              </a:prstGeom>
+              <a:solidFill>
+                <a:schemeClr val="tx1"/>
+              </a:solidFill>
+              <a:ln>
+                <a:noFill/>
+              </a:ln>
+            </p:spPr>
+            <p:style>
+              <a:lnRef idx="2">
+                <a:schemeClr val="accent1">
+                  <a:shade val="50000"/>
+                </a:schemeClr>
+              </a:lnRef>
+              <a:fillRef idx="1">
+                <a:schemeClr val="accent1"/>
+              </a:fillRef>
+              <a:effectRef idx="0">
+                <a:schemeClr val="accent1"/>
+              </a:effectRef>
+              <a:fontRef idx="minor">
+                <a:schemeClr val="lt1"/>
+              </a:fontRef>
+            </p:style>
+            <p:txBody>
+              <a:bodyPr rtlCol="0" anchor="ctr"/>
+              <a:lstStyle/>
+              <a:p>
+                <a:pPr algn="ctr"/>
+                <a:r>
+                  <a:rPr lang="en-US" altLang="zh-CN" sz="2000" dirty="0">
+                    <a:latin typeface="微软雅黑" panose="020B0503020204020204" pitchFamily="34" charset="-122"/>
+                    <a:ea typeface="微软雅黑" panose="020B0503020204020204" pitchFamily="34" charset="-122"/>
+                  </a:rPr>
+                  <a:t>5</a:t>
+                </a:r>
+                <a:endParaRPr lang="zh-CN" altLang="en-US" sz="2000" dirty="0">
+                  <a:latin typeface="微软雅黑" panose="020B0503020204020204" pitchFamily="34" charset="-122"/>
+                  <a:ea typeface="微软雅黑" panose="020B0503020204020204" pitchFamily="34" charset="-122"/>
+                </a:endParaRPr>
+              </a:p>
+            </p:txBody>
+          </p:sp>
+          <p:sp>
+            <p:nvSpPr>
+              <p:cNvPr id="42" name="文本框 41">
+                <a:extLst>
+                  <a:ext uri="{FF2B5EF4-FFF2-40B4-BE49-F238E27FC236}">
+                    <a16:creationId xmlns:a16="http://schemas.microsoft.com/office/drawing/2014/main" id="{8F624994-17D8-420F-857D-235A3477BAAF}"/>
+                  </a:ext>
+                </a:extLst>
+              </p:cNvPr>
+              <p:cNvSpPr txBox="1"/>
+              <p:nvPr/>
+            </p:nvSpPr>
+            <p:spPr>
+              <a:xfrm>
+                <a:off x="4337189" y="1408922"/>
+                <a:ext cx="2262158" cy="369332"/>
+              </a:xfrm>
+              <a:prstGeom prst="rect">
+                <a:avLst/>
+              </a:prstGeom>
+              <a:noFill/>
+            </p:spPr>
+            <p:txBody>
+              <a:bodyPr vert="horz" wrap="none" rtlCol="0">
+                <a:spAutoFit/>
+              </a:bodyPr>
+              <a:lstStyle/>
+              <a:p>
+                <a:r>
+                  <a:rPr lang="zh-CN" altLang="en-US" dirty="0">
+                    <a:latin typeface="微软雅黑" panose="020B0503020204020204" pitchFamily="34" charset="-122"/>
+                    <a:ea typeface="微软雅黑" panose="020B0503020204020204" pitchFamily="34" charset="-122"/>
+                  </a:rPr>
+                  <a:t>与其它研究结合应用</a:t>
+                </a:r>
+                <a:endParaRPr lang="en-US" altLang="zh-CN" dirty="0">
+                  <a:latin typeface="微软雅黑" panose="020B0503020204020204" pitchFamily="34" charset="-122"/>
+                  <a:ea typeface="微软雅黑" panose="020B0503020204020204" pitchFamily="34" charset="-122"/>
+                </a:endParaRPr>
+              </a:p>
+            </p:txBody>
+          </p:sp>
+        </p:grpSp>
+      </p:grpSp>
+    </p:spTree>
+    <p:extLst>
+      <p:ext uri="{BB962C8B-B14F-4D97-AF65-F5344CB8AC3E}">
+        <p14:creationId xmlns:p14="http://schemas.microsoft.com/office/powerpoint/2010/main" val="3336617069"/>
+      </p:ext>
+    </p:extLst>
+  </p:cSld>
+  <p:clrMapOvr>
+    <a:masterClrMapping/>
+  </p:clrMapOvr>
+</p:sld>
+</file>
+
+<file path=ppt/slides/slide11.xml><?xml version="1.0" encoding="utf-8"?>
 <p:sld xmlns:a="http://schemas.openxmlformats.org/drawingml/2006/main" xmlns:r="http://schemas.openxmlformats.org/officeDocument/2006/relationships" xmlns:p="http://schemas.openxmlformats.org/presentationml/2006/main">
   <p:cSld>
     <p:spTree>
@@ -6645,7 +7763,7 @@
         </p:nvGrpSpPr>
         <p:grpSpPr>
           <a:xfrm>
-            <a:off x="8195045" y="1843970"/>
+            <a:off x="8195045" y="1797239"/>
             <a:ext cx="2735364" cy="3263522"/>
             <a:chOff x="7993816" y="1823876"/>
             <a:chExt cx="2735364" cy="3263522"/>
@@ -6786,7 +7904,7 @@
                   <a:latin typeface="微软雅黑" panose="020B0503020204020204" pitchFamily="34" charset="-122"/>
                   <a:ea typeface="微软雅黑" panose="020B0503020204020204" pitchFamily="34" charset="-122"/>
                 </a:rPr>
-                <a:t>减少训练成本</a:t>
+                <a:t>扩大移动端应用</a:t>
               </a:r>
               <a:endParaRPr lang="en-US" altLang="zh-CN" dirty="0">
                 <a:latin typeface="微软雅黑" panose="020B0503020204020204" pitchFamily="34" charset="-122"/>
@@ -6806,7 +7924,7 @@
                   <a:latin typeface="微软雅黑" panose="020B0503020204020204" pitchFamily="34" charset="-122"/>
                   <a:ea typeface="微软雅黑" panose="020B0503020204020204" pitchFamily="34" charset="-122"/>
                 </a:rPr>
-                <a:t>扩大移动端应用</a:t>
+                <a:t>减少训练成本</a:t>
               </a:r>
               <a:endParaRPr lang="en-US" altLang="zh-CN" dirty="0">
                 <a:latin typeface="微软雅黑" panose="020B0503020204020204" pitchFamily="34" charset="-122"/>
@@ -6898,58 +8016,6 @@
           <a:chExt cx="0" cy="0"/>
         </a:xfrm>
       </p:grpSpPr>
-      <p:sp>
-        <p:nvSpPr>
-          <p:cNvPr id="27" name="矩形 26">
-            <a:extLst>
-              <a:ext uri="{FF2B5EF4-FFF2-40B4-BE49-F238E27FC236}">
-                <a16:creationId xmlns:a16="http://schemas.microsoft.com/office/drawing/2014/main" id="{7CF60602-AD8B-4656-869D-2F568074E0B6}"/>
-              </a:ext>
-            </a:extLst>
-          </p:cNvPr>
-          <p:cNvSpPr/>
-          <p:nvPr/>
-        </p:nvSpPr>
-        <p:spPr>
-          <a:xfrm>
-            <a:off x="6045121" y="1716829"/>
-            <a:ext cx="4936034" cy="2235792"/>
-          </a:xfrm>
-          <a:prstGeom prst="rect">
-            <a:avLst/>
-          </a:prstGeom>
-          <a:noFill/>
-          <a:ln w="38100">
-            <a:solidFill>
-              <a:srgbClr val="B70707"/>
-            </a:solidFill>
-          </a:ln>
-        </p:spPr>
-        <p:style>
-          <a:lnRef idx="2">
-            <a:schemeClr val="accent1">
-              <a:shade val="50000"/>
-            </a:schemeClr>
-          </a:lnRef>
-          <a:fillRef idx="1">
-            <a:schemeClr val="accent1"/>
-          </a:fillRef>
-          <a:effectRef idx="0">
-            <a:schemeClr val="accent1"/>
-          </a:effectRef>
-          <a:fontRef idx="minor">
-            <a:schemeClr val="lt1"/>
-          </a:fontRef>
-        </p:style>
-        <p:txBody>
-          <a:bodyPr rtlCol="0" anchor="ctr"/>
-          <a:lstStyle/>
-          <a:p>
-            <a:pPr algn="ctr"/>
-            <a:endParaRPr lang="zh-CN" altLang="en-US"/>
-          </a:p>
-        </p:txBody>
-      </p:sp>
       <p:pic>
         <p:nvPicPr>
           <p:cNvPr id="4" name="内容占位符 8">
@@ -6965,7 +8031,7 @@
           <p:nvPr/>
         </p:nvPicPr>
         <p:blipFill>
-          <a:blip r:embed="rId2">
+          <a:blip r:embed="rId3">
             <a:clrChange>
               <a:clrFrom>
                 <a:srgbClr val="FFFFFF"/>
@@ -7093,6 +8159,506 @@
           </a:p>
         </p:txBody>
       </p:sp>
+      <p:grpSp>
+        <p:nvGrpSpPr>
+          <p:cNvPr id="40" name="组合 39">
+            <a:extLst>
+              <a:ext uri="{FF2B5EF4-FFF2-40B4-BE49-F238E27FC236}">
+                <a16:creationId xmlns:a16="http://schemas.microsoft.com/office/drawing/2014/main" id="{CCBF4847-08D9-4629-94AC-2892851A99C4}"/>
+              </a:ext>
+            </a:extLst>
+          </p:cNvPr>
+          <p:cNvGrpSpPr/>
+          <p:nvPr/>
+        </p:nvGrpSpPr>
+        <p:grpSpPr>
+          <a:xfrm>
+            <a:off x="1440584" y="1566292"/>
+            <a:ext cx="9310832" cy="3725415"/>
+            <a:chOff x="1353455" y="1610627"/>
+            <a:chExt cx="9310832" cy="3725415"/>
+          </a:xfrm>
+        </p:grpSpPr>
+        <p:grpSp>
+          <p:nvGrpSpPr>
+            <p:cNvPr id="23" name="组合 22">
+              <a:extLst>
+                <a:ext uri="{FF2B5EF4-FFF2-40B4-BE49-F238E27FC236}">
+                  <a16:creationId xmlns:a16="http://schemas.microsoft.com/office/drawing/2014/main" id="{D5148699-53BA-4AB0-8E7A-72CA455C2640}"/>
+                </a:ext>
+              </a:extLst>
+            </p:cNvPr>
+            <p:cNvGrpSpPr/>
+            <p:nvPr/>
+          </p:nvGrpSpPr>
+          <p:grpSpPr>
+            <a:xfrm>
+              <a:off x="1353455" y="2040579"/>
+              <a:ext cx="5655699" cy="3295463"/>
+              <a:chOff x="4000177" y="1965934"/>
+              <a:chExt cx="5655699" cy="3295463"/>
+            </a:xfrm>
+          </p:grpSpPr>
+          <p:pic>
+            <p:nvPicPr>
+              <p:cNvPr id="24" name="Picture 66" descr="RELU">
+                <a:extLst>
+                  <a:ext uri="{FF2B5EF4-FFF2-40B4-BE49-F238E27FC236}">
+                    <a16:creationId xmlns:a16="http://schemas.microsoft.com/office/drawing/2014/main" id="{620F1F9F-1FFC-4D7B-878D-2467CE64D681}"/>
+                  </a:ext>
+                </a:extLst>
+              </p:cNvPr>
+              <p:cNvPicPr/>
+              <p:nvPr/>
+            </p:nvPicPr>
+            <p:blipFill>
+              <a:blip r:embed="rId4">
+                <a:extLst>
+                  <a:ext uri="{28A0092B-C50C-407E-A947-70E740481C1C}">
+                    <a14:useLocalDpi xmlns:a14="http://schemas.microsoft.com/office/drawing/2010/main" val="0"/>
+                  </a:ext>
+                </a:extLst>
+              </a:blip>
+              <a:srcRect/>
+              <a:stretch>
+                <a:fillRect/>
+              </a:stretch>
+            </p:blipFill>
+            <p:spPr bwMode="auto">
+              <a:xfrm>
+                <a:off x="4000177" y="1965934"/>
+                <a:ext cx="5655699" cy="2926131"/>
+              </a:xfrm>
+              <a:prstGeom prst="rect">
+                <a:avLst/>
+              </a:prstGeom>
+              <a:noFill/>
+              <a:ln>
+                <a:noFill/>
+              </a:ln>
+              <a:extLst>
+                <a:ext uri="{909E8E84-426E-40DD-AFC4-6F175D3DCCD1}">
+                  <a14:hiddenFill xmlns:a14="http://schemas.microsoft.com/office/drawing/2010/main">
+                    <a:solidFill>
+                      <a:srgbClr val="FFFFFF"/>
+                    </a:solidFill>
+                  </a14:hiddenFill>
+                </a:ext>
+                <a:ext uri="{91240B29-F687-4F45-9708-019B960494DF}">
+                  <a14:hiddenLine xmlns:a14="http://schemas.microsoft.com/office/drawing/2010/main" w="9525">
+                    <a:solidFill>
+                      <a:srgbClr val="000000"/>
+                    </a:solidFill>
+                    <a:miter lim="800000"/>
+                    <a:headEnd/>
+                    <a:tailEnd/>
+                  </a14:hiddenLine>
+                </a:ext>
+              </a:extLst>
+            </p:spPr>
+          </p:pic>
+          <p:sp>
+            <p:nvSpPr>
+              <p:cNvPr id="28" name="文本框 27">
+                <a:extLst>
+                  <a:ext uri="{FF2B5EF4-FFF2-40B4-BE49-F238E27FC236}">
+                    <a16:creationId xmlns:a16="http://schemas.microsoft.com/office/drawing/2014/main" id="{325A8141-D1A5-4AF5-9337-570C2FBDA4A3}"/>
+                  </a:ext>
+                </a:extLst>
+              </p:cNvPr>
+              <p:cNvSpPr txBox="1"/>
+              <p:nvPr/>
+            </p:nvSpPr>
+            <p:spPr>
+              <a:xfrm>
+                <a:off x="4346263" y="4892065"/>
+                <a:ext cx="4051619" cy="369332"/>
+              </a:xfrm>
+              <a:prstGeom prst="rect">
+                <a:avLst/>
+              </a:prstGeom>
+              <a:noFill/>
+            </p:spPr>
+            <p:txBody>
+              <a:bodyPr wrap="square" rtlCol="0">
+                <a:spAutoFit/>
+              </a:bodyPr>
+              <a:lstStyle/>
+              <a:p>
+                <a:pPr algn="ctr"/>
+                <a:r>
+                  <a:rPr lang="en-US" altLang="zh-CN" dirty="0" err="1">
+                    <a:latin typeface="微软雅黑" panose="020B0503020204020204" pitchFamily="34" charset="-122"/>
+                    <a:ea typeface="微软雅黑" panose="020B0503020204020204" pitchFamily="34" charset="-122"/>
+                  </a:rPr>
+                  <a:t>ReLU</a:t>
+                </a:r>
+                <a:r>
+                  <a:rPr lang="zh-CN" altLang="en-US" dirty="0">
+                    <a:latin typeface="微软雅黑" panose="020B0503020204020204" pitchFamily="34" charset="-122"/>
+                    <a:ea typeface="微软雅黑" panose="020B0503020204020204" pitchFamily="34" charset="-122"/>
+                  </a:rPr>
+                  <a:t>激活函数图像</a:t>
+                </a:r>
+              </a:p>
+            </p:txBody>
+          </p:sp>
+        </p:grpSp>
+        <p:grpSp>
+          <p:nvGrpSpPr>
+            <p:cNvPr id="37" name="组合 36">
+              <a:extLst>
+                <a:ext uri="{FF2B5EF4-FFF2-40B4-BE49-F238E27FC236}">
+                  <a16:creationId xmlns:a16="http://schemas.microsoft.com/office/drawing/2014/main" id="{4BA70C27-E86E-495B-A3A0-A05A997FEEF4}"/>
+                </a:ext>
+              </a:extLst>
+            </p:cNvPr>
+            <p:cNvGrpSpPr/>
+            <p:nvPr/>
+          </p:nvGrpSpPr>
+          <p:grpSpPr>
+            <a:xfrm>
+              <a:off x="7467258" y="1610627"/>
+              <a:ext cx="3197029" cy="3263522"/>
+              <a:chOff x="7993816" y="1823876"/>
+              <a:chExt cx="3197029" cy="3263522"/>
+            </a:xfrm>
+          </p:grpSpPr>
+          <p:sp>
+            <p:nvSpPr>
+              <p:cNvPr id="38" name="左大括号 37">
+                <a:extLst>
+                  <a:ext uri="{FF2B5EF4-FFF2-40B4-BE49-F238E27FC236}">
+                    <a16:creationId xmlns:a16="http://schemas.microsoft.com/office/drawing/2014/main" id="{EA72BBCF-D3F9-4BAD-9AE4-8332FA08BDE0}"/>
+                  </a:ext>
+                </a:extLst>
+              </p:cNvPr>
+              <p:cNvSpPr/>
+              <p:nvPr/>
+            </p:nvSpPr>
+            <p:spPr>
+              <a:xfrm>
+                <a:off x="7993816" y="2310940"/>
+                <a:ext cx="646331" cy="2776458"/>
+              </a:xfrm>
+              <a:prstGeom prst="leftBrace">
+                <a:avLst>
+                  <a:gd name="adj1" fmla="val 50724"/>
+                  <a:gd name="adj2" fmla="val 50000"/>
+                </a:avLst>
+              </a:prstGeom>
+              <a:solidFill>
+                <a:schemeClr val="bg1"/>
+              </a:solidFill>
+              <a:ln w="28575">
+                <a:solidFill>
+                  <a:schemeClr val="tx1"/>
+                </a:solidFill>
+              </a:ln>
+            </p:spPr>
+            <p:style>
+              <a:lnRef idx="1">
+                <a:schemeClr val="accent1"/>
+              </a:lnRef>
+              <a:fillRef idx="0">
+                <a:schemeClr val="accent1"/>
+              </a:fillRef>
+              <a:effectRef idx="0">
+                <a:schemeClr val="accent1"/>
+              </a:effectRef>
+              <a:fontRef idx="minor">
+                <a:schemeClr val="tx1"/>
+              </a:fontRef>
+            </p:style>
+            <p:txBody>
+              <a:bodyPr rtlCol="0" anchor="ctr"/>
+              <a:lstStyle/>
+              <a:p>
+                <a:pPr algn="ctr"/>
+                <a:endParaRPr lang="zh-CN" altLang="en-US"/>
+              </a:p>
+            </p:txBody>
+          </p:sp>
+          <p:sp>
+            <p:nvSpPr>
+              <p:cNvPr id="39" name="文本框 38">
+                <a:extLst>
+                  <a:ext uri="{FF2B5EF4-FFF2-40B4-BE49-F238E27FC236}">
+                    <a16:creationId xmlns:a16="http://schemas.microsoft.com/office/drawing/2014/main" id="{78B97718-F87D-41E7-8FFB-EE3AC1EEC0A8}"/>
+                  </a:ext>
+                </a:extLst>
+              </p:cNvPr>
+              <p:cNvSpPr txBox="1"/>
+              <p:nvPr/>
+            </p:nvSpPr>
+            <p:spPr>
+              <a:xfrm>
+                <a:off x="8640147" y="1823876"/>
+                <a:ext cx="2550698" cy="3263522"/>
+              </a:xfrm>
+              <a:prstGeom prst="rect">
+                <a:avLst/>
+              </a:prstGeom>
+              <a:noFill/>
+            </p:spPr>
+            <p:txBody>
+              <a:bodyPr wrap="none" rtlCol="0">
+                <a:spAutoFit/>
+              </a:bodyPr>
+              <a:lstStyle/>
+              <a:p>
+                <a:pPr marL="285750" indent="-285750">
+                  <a:lnSpc>
+                    <a:spcPct val="300000"/>
+                  </a:lnSpc>
+                  <a:buFont typeface="Arial" panose="020B0604020202020204" pitchFamily="34" charset="0"/>
+                  <a:buChar char="•"/>
+                </a:pPr>
+                <a:r>
+                  <a:rPr lang="zh-CN" altLang="en-US" dirty="0">
+                    <a:latin typeface="微软雅黑" panose="020B0503020204020204" pitchFamily="34" charset="-122"/>
+                    <a:ea typeface="微软雅黑" panose="020B0503020204020204" pitchFamily="34" charset="-122"/>
+                  </a:rPr>
+                  <a:t>单侧抑制</a:t>
+                </a:r>
+                <a:endParaRPr lang="en-US" altLang="zh-CN" dirty="0">
+                  <a:latin typeface="微软雅黑" panose="020B0503020204020204" pitchFamily="34" charset="-122"/>
+                  <a:ea typeface="微软雅黑" panose="020B0503020204020204" pitchFamily="34" charset="-122"/>
+                </a:endParaRPr>
+              </a:p>
+              <a:p>
+                <a:pPr marL="285750" indent="-285750">
+                  <a:lnSpc>
+                    <a:spcPct val="300000"/>
+                  </a:lnSpc>
+                  <a:buFont typeface="Arial" panose="020B0604020202020204" pitchFamily="34" charset="0"/>
+                  <a:buChar char="•"/>
+                </a:pPr>
+                <a:r>
+                  <a:rPr lang="zh-CN" altLang="en-US" dirty="0">
+                    <a:latin typeface="微软雅黑" panose="020B0503020204020204" pitchFamily="34" charset="-122"/>
+                    <a:ea typeface="微软雅黑" panose="020B0503020204020204" pitchFamily="34" charset="-122"/>
+                  </a:rPr>
+                  <a:t>更加宽阔的兴奋边界</a:t>
+                </a:r>
+                <a:endParaRPr lang="en-US" altLang="zh-CN" dirty="0">
+                  <a:latin typeface="微软雅黑" panose="020B0503020204020204" pitchFamily="34" charset="-122"/>
+                  <a:ea typeface="微软雅黑" panose="020B0503020204020204" pitchFamily="34" charset="-122"/>
+                </a:endParaRPr>
+              </a:p>
+              <a:p>
+                <a:pPr marL="285750" indent="-285750">
+                  <a:lnSpc>
+                    <a:spcPct val="300000"/>
+                  </a:lnSpc>
+                  <a:buFont typeface="Arial" panose="020B0604020202020204" pitchFamily="34" charset="0"/>
+                  <a:buChar char="•"/>
+                </a:pPr>
+                <a:r>
+                  <a:rPr lang="zh-CN" altLang="en-US" dirty="0">
+                    <a:latin typeface="微软雅黑" panose="020B0503020204020204" pitchFamily="34" charset="-122"/>
+                    <a:ea typeface="微软雅黑" panose="020B0503020204020204" pitchFamily="34" charset="-122"/>
+                  </a:rPr>
+                  <a:t>稀疏激活性</a:t>
+                </a:r>
+              </a:p>
+              <a:p>
+                <a:pPr marL="285750" indent="-285750">
+                  <a:lnSpc>
+                    <a:spcPct val="300000"/>
+                  </a:lnSpc>
+                  <a:buFont typeface="Arial" panose="020B0604020202020204" pitchFamily="34" charset="0"/>
+                  <a:buChar char="•"/>
+                </a:pPr>
+                <a:r>
+                  <a:rPr lang="zh-CN" altLang="en-US" dirty="0">
+                    <a:latin typeface="微软雅黑" panose="020B0503020204020204" pitchFamily="34" charset="-122"/>
+                    <a:ea typeface="微软雅黑" panose="020B0503020204020204" pitchFamily="34" charset="-122"/>
+                  </a:rPr>
+                  <a:t>广泛应用于深度学习</a:t>
+                </a:r>
+                <a:endParaRPr lang="en-US" altLang="zh-CN" dirty="0">
+                  <a:latin typeface="微软雅黑" panose="020B0503020204020204" pitchFamily="34" charset="-122"/>
+                  <a:ea typeface="微软雅黑" panose="020B0503020204020204" pitchFamily="34" charset="-122"/>
+                </a:endParaRPr>
+              </a:p>
+            </p:txBody>
+          </p:sp>
+        </p:grpSp>
+      </p:grpSp>
+    </p:spTree>
+    <p:extLst>
+      <p:ext uri="{BB962C8B-B14F-4D97-AF65-F5344CB8AC3E}">
+        <p14:creationId xmlns:p14="http://schemas.microsoft.com/office/powerpoint/2010/main" val="2507498443"/>
+      </p:ext>
+    </p:extLst>
+  </p:cSld>
+  <p:clrMapOvr>
+    <a:masterClrMapping/>
+  </p:clrMapOvr>
+</p:sld>
+</file>
+
+<file path=ppt/slides/slide6.xml><?xml version="1.0" encoding="utf-8"?>
+<p:sld xmlns:a="http://schemas.openxmlformats.org/drawingml/2006/main" xmlns:r="http://schemas.openxmlformats.org/officeDocument/2006/relationships" xmlns:p="http://schemas.openxmlformats.org/presentationml/2006/main">
+  <p:cSld>
+    <p:spTree>
+      <p:nvGrpSpPr>
+        <p:cNvPr id="1" name=""/>
+        <p:cNvGrpSpPr/>
+        <p:nvPr/>
+      </p:nvGrpSpPr>
+      <p:grpSpPr>
+        <a:xfrm>
+          <a:off x="0" y="0"/>
+          <a:ext cx="0" cy="0"/>
+          <a:chOff x="0" y="0"/>
+          <a:chExt cx="0" cy="0"/>
+        </a:xfrm>
+      </p:grpSpPr>
+      <p:pic>
+        <p:nvPicPr>
+          <p:cNvPr id="4" name="内容占位符 8">
+            <a:extLst>
+              <a:ext uri="{FF2B5EF4-FFF2-40B4-BE49-F238E27FC236}">
+                <a16:creationId xmlns:a16="http://schemas.microsoft.com/office/drawing/2014/main" id="{10CC6331-8835-4F2E-A5C0-87613E6B7ADB}"/>
+              </a:ext>
+            </a:extLst>
+          </p:cNvPr>
+          <p:cNvPicPr>
+            <a:picLocks noChangeAspect="1"/>
+          </p:cNvPicPr>
+          <p:nvPr/>
+        </p:nvPicPr>
+        <p:blipFill>
+          <a:blip r:embed="rId3">
+            <a:clrChange>
+              <a:clrFrom>
+                <a:srgbClr val="FFFFFF"/>
+              </a:clrFrom>
+              <a:clrTo>
+                <a:srgbClr val="FFFFFF">
+                  <a:alpha val="0"/>
+                </a:srgbClr>
+              </a:clrTo>
+            </a:clrChange>
+          </a:blip>
+          <a:stretch>
+            <a:fillRect/>
+          </a:stretch>
+        </p:blipFill>
+        <p:spPr>
+          <a:xfrm>
+            <a:off x="10365854" y="220505"/>
+            <a:ext cx="1826146" cy="618613"/>
+          </a:xfrm>
+          <a:prstGeom prst="rect">
+            <a:avLst/>
+          </a:prstGeom>
+          <a:noFill/>
+          <a:ln w="9525">
+            <a:noFill/>
+          </a:ln>
+        </p:spPr>
+      </p:pic>
+      <p:sp>
+        <p:nvSpPr>
+          <p:cNvPr id="5" name="矩形 4">
+            <a:extLst>
+              <a:ext uri="{FF2B5EF4-FFF2-40B4-BE49-F238E27FC236}">
+                <a16:creationId xmlns:a16="http://schemas.microsoft.com/office/drawing/2014/main" id="{5BD734CA-00C2-4B52-BDC8-BFEBF55374EF}"/>
+              </a:ext>
+            </a:extLst>
+          </p:cNvPr>
+          <p:cNvSpPr/>
+          <p:nvPr/>
+        </p:nvSpPr>
+        <p:spPr>
+          <a:xfrm>
+            <a:off x="0" y="435513"/>
+            <a:ext cx="142867" cy="188600"/>
+          </a:xfrm>
+          <a:prstGeom prst="rect">
+            <a:avLst/>
+          </a:prstGeom>
+          <a:solidFill>
+            <a:srgbClr val="7030A0"/>
+          </a:solidFill>
+          <a:ln>
+            <a:noFill/>
+          </a:ln>
+        </p:spPr>
+        <p:style>
+          <a:lnRef idx="2">
+            <a:schemeClr val="accent1">
+              <a:shade val="50000"/>
+            </a:schemeClr>
+          </a:lnRef>
+          <a:fillRef idx="1">
+            <a:schemeClr val="accent1"/>
+          </a:fillRef>
+          <a:effectRef idx="0">
+            <a:schemeClr val="accent1"/>
+          </a:effectRef>
+          <a:fontRef idx="minor">
+            <a:schemeClr val="lt1"/>
+          </a:fontRef>
+        </p:style>
+        <p:txBody>
+          <a:bodyPr rtlCol="0" anchor="ctr"/>
+          <a:lstStyle/>
+          <a:p>
+            <a:pPr algn="ctr"/>
+            <a:endParaRPr lang="zh-CN" altLang="en-US" sz="1898">
+              <a:solidFill>
+                <a:srgbClr val="7030A0"/>
+              </a:solidFill>
+              <a:latin typeface="微软雅黑" panose="020B0503020204020204" pitchFamily="34" charset="-122"/>
+              <a:ea typeface="微软雅黑" panose="020B0503020204020204" pitchFamily="34" charset="-122"/>
+              <a:cs typeface="+mn-ea"/>
+              <a:sym typeface="+mn-lt"/>
+            </a:endParaRPr>
+          </a:p>
+        </p:txBody>
+      </p:sp>
+      <p:sp>
+        <p:nvSpPr>
+          <p:cNvPr id="6" name="文本框 5">
+            <a:extLst>
+              <a:ext uri="{FF2B5EF4-FFF2-40B4-BE49-F238E27FC236}">
+                <a16:creationId xmlns:a16="http://schemas.microsoft.com/office/drawing/2014/main" id="{ACEF4986-0F5C-4569-9E01-802A115B76B4}"/>
+              </a:ext>
+            </a:extLst>
+          </p:cNvPr>
+          <p:cNvSpPr txBox="1"/>
+          <p:nvPr/>
+        </p:nvSpPr>
+        <p:spPr>
+          <a:xfrm>
+            <a:off x="142867" y="329756"/>
+            <a:ext cx="1210588" cy="400110"/>
+          </a:xfrm>
+          <a:prstGeom prst="rect">
+            <a:avLst/>
+          </a:prstGeom>
+          <a:noFill/>
+        </p:spPr>
+        <p:txBody>
+          <a:bodyPr wrap="none" rtlCol="0">
+            <a:spAutoFit/>
+          </a:bodyPr>
+          <a:lstStyle/>
+          <a:p>
+            <a:r>
+              <a:rPr lang="zh-CN" altLang="en-US" sz="2000" dirty="0">
+                <a:latin typeface="微软雅黑" panose="020B0503020204020204" pitchFamily="34" charset="-122"/>
+                <a:ea typeface="微软雅黑" panose="020B0503020204020204" pitchFamily="34" charset="-122"/>
+              </a:rPr>
+              <a:t>本文工作</a:t>
+            </a:r>
+          </a:p>
+        </p:txBody>
+      </p:sp>
       <p:pic>
         <p:nvPicPr>
           <p:cNvPr id="7" name="Picture 57" descr="人工神经网络">
@@ -7106,7 +8672,7 @@
           <p:nvPr/>
         </p:nvPicPr>
         <p:blipFill>
-          <a:blip r:embed="rId3">
+          <a:blip r:embed="rId4">
             <a:extLst>
               <a:ext uri="{28A0092B-C50C-407E-A947-70E740481C1C}">
                 <a14:useLocalDpi xmlns:a14="http://schemas.microsoft.com/office/drawing/2010/main" val="0"/>
@@ -7120,7 +8686,7 @@
         </p:blipFill>
         <p:spPr bwMode="auto">
           <a:xfrm>
-            <a:off x="1210844" y="1980844"/>
+            <a:off x="1210845" y="1980843"/>
             <a:ext cx="3109540" cy="1592782"/>
           </a:xfrm>
           <a:prstGeom prst="rect">
@@ -7677,7 +9243,7 @@
                   <a:avLst/>
                 </a:prstGeom>
                 <a:blipFill>
-                  <a:blip r:embed="rId4"/>
+                  <a:blip r:embed="rId5"/>
                   <a:stretch>
                     <a:fillRect l="-1427" t="-28261" r="-999" b="-50000"/>
                   </a:stretch>
@@ -7986,7 +9552,7 @@
                   <a:avLst/>
                 </a:prstGeom>
                 <a:blipFill>
-                  <a:blip r:embed="rId5"/>
+                  <a:blip r:embed="rId6"/>
                   <a:stretch>
                     <a:fillRect l="-1437" t="-28889" r="-1006" b="-51111"/>
                   </a:stretch>
@@ -8302,7 +9868,7 @@
                   <a:avLst/>
                 </a:prstGeom>
                 <a:blipFill>
-                  <a:blip r:embed="rId6"/>
+                  <a:blip r:embed="rId7"/>
                   <a:stretch>
                     <a:fillRect l="-1414" t="-28261" r="-2546" b="-50000"/>
                   </a:stretch>
@@ -8612,7 +10178,7 @@
                   <a:avLst/>
                 </a:prstGeom>
                 <a:blipFill>
-                  <a:blip r:embed="rId7"/>
+                  <a:blip r:embed="rId8"/>
                   <a:stretch>
                     <a:fillRect l="-1435" t="-28889" r="-2296" b="-51111"/>
                   </a:stretch>
@@ -8797,7 +10363,7 @@
           <p:nvPr/>
         </p:nvPicPr>
         <p:blipFill>
-          <a:blip r:embed="rId8"/>
+          <a:blip r:embed="rId9"/>
           <a:stretch>
             <a:fillRect/>
           </a:stretch>
@@ -8826,8 +10392,8 @@
         </p:nvSpPr>
         <p:spPr>
           <a:xfrm>
-            <a:off x="4369498" y="5309118"/>
-            <a:ext cx="3605523" cy="161841"/>
+            <a:off x="4369496" y="5311522"/>
+            <a:ext cx="3419822" cy="159437"/>
           </a:xfrm>
           <a:prstGeom prst="rightArrow">
             <a:avLst/>
@@ -8936,8 +10502,8 @@
         </p:nvSpPr>
         <p:spPr>
           <a:xfrm>
-            <a:off x="8022856" y="5216583"/>
-            <a:ext cx="1107996" cy="369332"/>
+            <a:off x="7789318" y="5209557"/>
+            <a:ext cx="1569660" cy="369332"/>
           </a:xfrm>
           <a:prstGeom prst="rect">
             <a:avLst/>
@@ -8955,7 +10521,7 @@
                 <a:latin typeface="微软雅黑" panose="020B0503020204020204" pitchFamily="34" charset="-122"/>
                 <a:ea typeface="微软雅黑" panose="020B0503020204020204" pitchFamily="34" charset="-122"/>
               </a:rPr>
-              <a:t>综合分析</a:t>
+              <a:t>人工综合分析</a:t>
             </a:r>
           </a:p>
         </p:txBody>
@@ -8970,96 +10536,10 @@
   <p:clrMapOvr>
     <a:masterClrMapping/>
   </p:clrMapOvr>
-  <p:timing>
-    <p:tnLst>
-      <p:par>
-        <p:cTn id="1" dur="indefinite" restart="never" nodeType="tmRoot">
-          <p:childTnLst>
-            <p:seq concurrent="1" nextAc="seek">
-              <p:cTn id="2" dur="indefinite" nodeType="mainSeq">
-                <p:childTnLst>
-                  <p:par>
-                    <p:cTn id="3" fill="hold">
-                      <p:stCondLst>
-                        <p:cond delay="indefinite"/>
-                      </p:stCondLst>
-                      <p:childTnLst>
-                        <p:par>
-                          <p:cTn id="4" fill="hold">
-                            <p:stCondLst>
-                              <p:cond delay="0"/>
-                            </p:stCondLst>
-                            <p:childTnLst>
-                              <p:par>
-                                <p:cTn id="5" presetID="10" presetClass="entr" presetSubtype="0" fill="hold" grpId="0" nodeType="clickEffect">
-                                  <p:stCondLst>
-                                    <p:cond delay="0"/>
-                                  </p:stCondLst>
-                                  <p:childTnLst>
-                                    <p:set>
-                                      <p:cBhvr>
-                                        <p:cTn id="6" dur="1" fill="hold">
-                                          <p:stCondLst>
-                                            <p:cond delay="0"/>
-                                          </p:stCondLst>
-                                        </p:cTn>
-                                        <p:tgtEl>
-                                          <p:spTgt spid="27"/>
-                                        </p:tgtEl>
-                                        <p:attrNameLst>
-                                          <p:attrName>style.visibility</p:attrName>
-                                        </p:attrNameLst>
-                                      </p:cBhvr>
-                                      <p:to>
-                                        <p:strVal val="visible"/>
-                                      </p:to>
-                                    </p:set>
-                                    <p:animEffect transition="in" filter="fade">
-                                      <p:cBhvr>
-                                        <p:cTn id="7" dur="250"/>
-                                        <p:tgtEl>
-                                          <p:spTgt spid="27"/>
-                                        </p:tgtEl>
-                                      </p:cBhvr>
-                                    </p:animEffect>
-                                  </p:childTnLst>
-                                </p:cTn>
-                              </p:par>
-                            </p:childTnLst>
-                          </p:cTn>
-                        </p:par>
-                      </p:childTnLst>
-                    </p:cTn>
-                  </p:par>
-                </p:childTnLst>
-              </p:cTn>
-              <p:prevCondLst>
-                <p:cond evt="onPrev" delay="0">
-                  <p:tgtEl>
-                    <p:sldTgt/>
-                  </p:tgtEl>
-                </p:cond>
-              </p:prevCondLst>
-              <p:nextCondLst>
-                <p:cond evt="onNext" delay="0">
-                  <p:tgtEl>
-                    <p:sldTgt/>
-                  </p:tgtEl>
-                </p:cond>
-              </p:nextCondLst>
-            </p:seq>
-          </p:childTnLst>
-        </p:cTn>
-      </p:par>
-    </p:tnLst>
-    <p:bldLst>
-      <p:bldP spid="27" grpId="0" animBg="1"/>
-    </p:bldLst>
-  </p:timing>
 </p:sld>
 </file>
 
-<file path=ppt/slides/slide6.xml><?xml version="1.0" encoding="utf-8"?>
+<file path=ppt/slides/slide7.xml><?xml version="1.0" encoding="utf-8"?>
 <p:sld xmlns:a="http://schemas.openxmlformats.org/drawingml/2006/main" xmlns:r="http://schemas.openxmlformats.org/officeDocument/2006/relationships" xmlns:p="http://schemas.openxmlformats.org/presentationml/2006/main">
   <p:cSld>
     <p:spTree>
@@ -9459,7 +10939,7 @@
 </p:sld>
 </file>
 
-<file path=ppt/slides/slide7.xml><?xml version="1.0" encoding="utf-8"?>
+<file path=ppt/slides/slide8.xml><?xml version="1.0" encoding="utf-8"?>
 <p:sld xmlns:a="http://schemas.openxmlformats.org/drawingml/2006/main" xmlns:r="http://schemas.openxmlformats.org/officeDocument/2006/relationships" xmlns:p="http://schemas.openxmlformats.org/presentationml/2006/main">
   <p:cSld>
     <p:spTree>
@@ -10875,7 +12355,7 @@
 </p:sld>
 </file>
 
-<file path=ppt/slides/slide8.xml><?xml version="1.0" encoding="utf-8"?>
+<file path=ppt/slides/slide9.xml><?xml version="1.0" encoding="utf-8"?>
 <p:sld xmlns:a="http://schemas.openxmlformats.org/drawingml/2006/main" xmlns:r="http://schemas.openxmlformats.org/officeDocument/2006/relationships" xmlns:p="http://schemas.openxmlformats.org/presentationml/2006/main">
   <p:cSld>
     <p:spTree>
@@ -10907,7 +12387,7 @@
           <p:nvPr/>
         </p:nvPicPr>
         <p:blipFill>
-          <a:blip r:embed="rId2">
+          <a:blip r:embed="rId3">
             <a:clrChange>
               <a:clrFrom>
                 <a:srgbClr val="FFFFFF"/>
@@ -13108,7 +14588,7 @@
                       </a:txBody>
                       <a:tcPr marL="68580" marR="68580" marT="0" marB="0" anchor="ctr">
                         <a:blipFill>
-                          <a:blip r:embed="rId3"/>
+                          <a:blip r:embed="rId4"/>
                           <a:stretch>
                             <a:fillRect l="-25078" t="-70161" r="-188401" b="-354032"/>
                           </a:stretch>
@@ -13125,7 +14605,7 @@
                       </a:txBody>
                       <a:tcPr marL="68580" marR="68580" marT="0" marB="0" anchor="ctr">
                         <a:blipFill>
-                          <a:blip r:embed="rId3"/>
+                          <a:blip r:embed="rId4"/>
                           <a:stretch>
                             <a:fillRect l="-66500" t="-70161" r="-167" b="-354032"/>
                           </a:stretch>
@@ -13174,7 +14654,7 @@
                       </a:txBody>
                       <a:tcPr marL="68580" marR="68580" marT="0" marB="0" anchor="ctr">
                         <a:blipFill>
-                          <a:blip r:embed="rId3"/>
+                          <a:blip r:embed="rId4"/>
                           <a:stretch>
                             <a:fillRect l="-25078" t="-180342" r="-188401" b="-275214"/>
                           </a:stretch>
@@ -13191,7 +14671,7 @@
                       </a:txBody>
                       <a:tcPr marL="68580" marR="68580" marT="0" marB="0" anchor="ctr">
                         <a:blipFill>
-                          <a:blip r:embed="rId3"/>
+                          <a:blip r:embed="rId4"/>
                           <a:stretch>
                             <a:fillRect l="-66500" t="-180342" r="-167" b="-275214"/>
                           </a:stretch>
@@ -13240,7 +14720,7 @@
                       </a:txBody>
                       <a:tcPr marL="68580" marR="68580" marT="0" marB="0" anchor="ctr">
                         <a:blipFill>
-                          <a:blip r:embed="rId3"/>
+                          <a:blip r:embed="rId4"/>
                           <a:stretch>
                             <a:fillRect l="-25078" t="-277966" r="-188401" b="-172881"/>
                           </a:stretch>
@@ -13257,7 +14737,7 @@
                       </a:txBody>
                       <a:tcPr marL="68580" marR="68580" marT="0" marB="0" anchor="ctr">
                         <a:blipFill>
-                          <a:blip r:embed="rId3"/>
+                          <a:blip r:embed="rId4"/>
                           <a:stretch>
                             <a:fillRect l="-66500" t="-277966" r="-167" b="-172881"/>
                           </a:stretch>
@@ -13306,7 +14786,7 @@
                       </a:txBody>
                       <a:tcPr marL="68580" marR="68580" marT="0" marB="0" anchor="ctr">
                         <a:blipFill>
-                          <a:blip r:embed="rId3"/>
+                          <a:blip r:embed="rId4"/>
                           <a:stretch>
                             <a:fillRect l="-25078" t="-512644" r="-188401" b="-134483"/>
                           </a:stretch>
@@ -13323,7 +14803,7 @@
                       </a:txBody>
                       <a:tcPr marL="68580" marR="68580" marT="0" marB="0" anchor="ctr">
                         <a:blipFill>
-                          <a:blip r:embed="rId3"/>
+                          <a:blip r:embed="rId4"/>
                           <a:stretch>
                             <a:fillRect l="-66500" t="-512644" r="-167" b="-134483"/>
                           </a:stretch>
@@ -13372,7 +14852,7 @@
                       </a:txBody>
                       <a:tcPr marL="68580" marR="68580" marT="0" marB="0" anchor="ctr">
                         <a:blipFill>
-                          <a:blip r:embed="rId3"/>
+                          <a:blip r:embed="rId4"/>
                           <a:stretch>
                             <a:fillRect l="-25078" t="-459483" r="-188401" b="-862"/>
                           </a:stretch>
@@ -13389,7 +14869,7 @@
                       </a:txBody>
                       <a:tcPr marL="68580" marR="68580" marT="0" marB="0" anchor="ctr">
                         <a:blipFill>
-                          <a:blip r:embed="rId3"/>
+                          <a:blip r:embed="rId4"/>
                           <a:stretch>
                             <a:fillRect l="-66500" t="-459483" r="-167" b="-862"/>
                           </a:stretch>
@@ -13480,7 +14960,7 @@
             <p:nvPr/>
           </p:nvPicPr>
           <p:blipFill>
-            <a:blip r:embed="rId4"/>
+            <a:blip r:embed="rId5"/>
             <a:stretch>
               <a:fillRect/>
             </a:stretch>
@@ -13568,7 +15048,7 @@
             <p:nvPr/>
           </p:nvPicPr>
           <p:blipFill>
-            <a:blip r:embed="rId5"/>
+            <a:blip r:embed="rId6"/>
             <a:stretch>
               <a:fillRect/>
             </a:stretch>
@@ -13627,912 +15107,6 @@
     <p:extLst>
       <p:ext uri="{BB962C8B-B14F-4D97-AF65-F5344CB8AC3E}">
         <p14:creationId xmlns:p14="http://schemas.microsoft.com/office/powerpoint/2010/main" val="1208229722"/>
-      </p:ext>
-    </p:extLst>
-  </p:cSld>
-  <p:clrMapOvr>
-    <a:masterClrMapping/>
-  </p:clrMapOvr>
-</p:sld>
-</file>
-
-<file path=ppt/slides/slide9.xml><?xml version="1.0" encoding="utf-8"?>
-<p:sld xmlns:a="http://schemas.openxmlformats.org/drawingml/2006/main" xmlns:r="http://schemas.openxmlformats.org/officeDocument/2006/relationships" xmlns:p="http://schemas.openxmlformats.org/presentationml/2006/main">
-  <p:cSld>
-    <p:spTree>
-      <p:nvGrpSpPr>
-        <p:cNvPr id="1" name=""/>
-        <p:cNvGrpSpPr/>
-        <p:nvPr/>
-      </p:nvGrpSpPr>
-      <p:grpSpPr>
-        <a:xfrm>
-          <a:off x="0" y="0"/>
-          <a:ext cx="0" cy="0"/>
-          <a:chOff x="0" y="0"/>
-          <a:chExt cx="0" cy="0"/>
-        </a:xfrm>
-      </p:grpSpPr>
-      <p:pic>
-        <p:nvPicPr>
-          <p:cNvPr id="4" name="内容占位符 8">
-            <a:extLst>
-              <a:ext uri="{FF2B5EF4-FFF2-40B4-BE49-F238E27FC236}">
-                <a16:creationId xmlns:a16="http://schemas.microsoft.com/office/drawing/2014/main" id="{10CC6331-8835-4F2E-A5C0-87613E6B7ADB}"/>
-              </a:ext>
-            </a:extLst>
-          </p:cNvPr>
-          <p:cNvPicPr>
-            <a:picLocks noChangeAspect="1"/>
-          </p:cNvPicPr>
-          <p:nvPr/>
-        </p:nvPicPr>
-        <p:blipFill>
-          <a:blip r:embed="rId2">
-            <a:clrChange>
-              <a:clrFrom>
-                <a:srgbClr val="FFFFFF"/>
-              </a:clrFrom>
-              <a:clrTo>
-                <a:srgbClr val="FFFFFF">
-                  <a:alpha val="0"/>
-                </a:srgbClr>
-              </a:clrTo>
-            </a:clrChange>
-          </a:blip>
-          <a:stretch>
-            <a:fillRect/>
-          </a:stretch>
-        </p:blipFill>
-        <p:spPr>
-          <a:xfrm>
-            <a:off x="10365854" y="220505"/>
-            <a:ext cx="1826146" cy="618613"/>
-          </a:xfrm>
-          <a:prstGeom prst="rect">
-            <a:avLst/>
-          </a:prstGeom>
-          <a:noFill/>
-          <a:ln w="9525">
-            <a:noFill/>
-          </a:ln>
-        </p:spPr>
-      </p:pic>
-      <p:sp>
-        <p:nvSpPr>
-          <p:cNvPr id="5" name="矩形 4">
-            <a:extLst>
-              <a:ext uri="{FF2B5EF4-FFF2-40B4-BE49-F238E27FC236}">
-                <a16:creationId xmlns:a16="http://schemas.microsoft.com/office/drawing/2014/main" id="{5BD734CA-00C2-4B52-BDC8-BFEBF55374EF}"/>
-              </a:ext>
-            </a:extLst>
-          </p:cNvPr>
-          <p:cNvSpPr/>
-          <p:nvPr/>
-        </p:nvSpPr>
-        <p:spPr>
-          <a:xfrm>
-            <a:off x="0" y="435513"/>
-            <a:ext cx="142867" cy="188600"/>
-          </a:xfrm>
-          <a:prstGeom prst="rect">
-            <a:avLst/>
-          </a:prstGeom>
-          <a:solidFill>
-            <a:srgbClr val="7030A0"/>
-          </a:solidFill>
-          <a:ln>
-            <a:noFill/>
-          </a:ln>
-        </p:spPr>
-        <p:style>
-          <a:lnRef idx="2">
-            <a:schemeClr val="accent1">
-              <a:shade val="50000"/>
-            </a:schemeClr>
-          </a:lnRef>
-          <a:fillRef idx="1">
-            <a:schemeClr val="accent1"/>
-          </a:fillRef>
-          <a:effectRef idx="0">
-            <a:schemeClr val="accent1"/>
-          </a:effectRef>
-          <a:fontRef idx="minor">
-            <a:schemeClr val="lt1"/>
-          </a:fontRef>
-        </p:style>
-        <p:txBody>
-          <a:bodyPr rtlCol="0" anchor="ctr"/>
-          <a:lstStyle/>
-          <a:p>
-            <a:pPr algn="ctr"/>
-            <a:endParaRPr lang="zh-CN" altLang="en-US" sz="1898">
-              <a:solidFill>
-                <a:srgbClr val="7030A0"/>
-              </a:solidFill>
-              <a:latin typeface="微软雅黑" panose="020B0503020204020204" pitchFamily="34" charset="-122"/>
-              <a:ea typeface="微软雅黑" panose="020B0503020204020204" pitchFamily="34" charset="-122"/>
-              <a:cs typeface="+mn-ea"/>
-              <a:sym typeface="+mn-lt"/>
-            </a:endParaRPr>
-          </a:p>
-        </p:txBody>
-      </p:sp>
-      <p:sp>
-        <p:nvSpPr>
-          <p:cNvPr id="6" name="文本框 5">
-            <a:extLst>
-              <a:ext uri="{FF2B5EF4-FFF2-40B4-BE49-F238E27FC236}">
-                <a16:creationId xmlns:a16="http://schemas.microsoft.com/office/drawing/2014/main" id="{ACEF4986-0F5C-4569-9E01-802A115B76B4}"/>
-              </a:ext>
-            </a:extLst>
-          </p:cNvPr>
-          <p:cNvSpPr txBox="1"/>
-          <p:nvPr/>
-        </p:nvSpPr>
-        <p:spPr>
-          <a:xfrm>
-            <a:off x="142867" y="329756"/>
-            <a:ext cx="697627" cy="400110"/>
-          </a:xfrm>
-          <a:prstGeom prst="rect">
-            <a:avLst/>
-          </a:prstGeom>
-          <a:noFill/>
-        </p:spPr>
-        <p:txBody>
-          <a:bodyPr wrap="none" rtlCol="0">
-            <a:spAutoFit/>
-          </a:bodyPr>
-          <a:lstStyle/>
-          <a:p>
-            <a:r>
-              <a:rPr lang="zh-CN" altLang="en-US" sz="2000" dirty="0">
-                <a:latin typeface="微软雅黑" panose="020B0503020204020204" pitchFamily="34" charset="-122"/>
-                <a:ea typeface="微软雅黑" panose="020B0503020204020204" pitchFamily="34" charset="-122"/>
-              </a:rPr>
-              <a:t>展望</a:t>
-            </a:r>
-          </a:p>
-        </p:txBody>
-      </p:sp>
-      <p:grpSp>
-        <p:nvGrpSpPr>
-          <p:cNvPr id="32" name="组合 31">
-            <a:extLst>
-              <a:ext uri="{FF2B5EF4-FFF2-40B4-BE49-F238E27FC236}">
-                <a16:creationId xmlns:a16="http://schemas.microsoft.com/office/drawing/2014/main" id="{04FAA91F-D652-4DA0-8FBE-EC2CFE9996FC}"/>
-              </a:ext>
-            </a:extLst>
-          </p:cNvPr>
-          <p:cNvGrpSpPr/>
-          <p:nvPr/>
-        </p:nvGrpSpPr>
-        <p:grpSpPr>
-          <a:xfrm>
-            <a:off x="3831542" y="2065774"/>
-            <a:ext cx="4528915" cy="3034976"/>
-            <a:chOff x="4471505" y="1826462"/>
-            <a:chExt cx="4528915" cy="3034976"/>
-          </a:xfrm>
-        </p:grpSpPr>
-        <p:grpSp>
-          <p:nvGrpSpPr>
-            <p:cNvPr id="33" name="组合 32">
-              <a:extLst>
-                <a:ext uri="{FF2B5EF4-FFF2-40B4-BE49-F238E27FC236}">
-                  <a16:creationId xmlns:a16="http://schemas.microsoft.com/office/drawing/2014/main" id="{139451F8-FFA8-4CC2-92C3-EEAB56099426}"/>
-                </a:ext>
-              </a:extLst>
-            </p:cNvPr>
-            <p:cNvGrpSpPr/>
-            <p:nvPr/>
-          </p:nvGrpSpPr>
-          <p:grpSpPr>
-            <a:xfrm>
-              <a:off x="4471505" y="1826462"/>
-              <a:ext cx="3063046" cy="447870"/>
-              <a:chOff x="3536301" y="1369653"/>
-              <a:chExt cx="3063046" cy="447870"/>
-            </a:xfrm>
-          </p:grpSpPr>
-          <p:sp>
-            <p:nvSpPr>
-              <p:cNvPr id="49" name="六边形 48" descr="e7d195523061f1c021b92b3d25e54ab5e788c0576048880950C3AFFA1066A7153250F1349197BA8C5246BA9D557EC0274B8DA272D2431748978789E76D2CD7D1F11E7447C1D163F5D9CA1CD35DC7B6F0026C6BB43698AE8A1A50A3B34DA472CDA8898A116D2621F720577CEB1EC5AE786B3A577EC3E762EF9351D5FE95BB5FD00056FCA016A5904C">
-                <a:extLst>
-                  <a:ext uri="{FF2B5EF4-FFF2-40B4-BE49-F238E27FC236}">
-                    <a16:creationId xmlns:a16="http://schemas.microsoft.com/office/drawing/2014/main" id="{ABC47C8C-C8E2-44A2-A895-F5D832411DAC}"/>
-                  </a:ext>
-                </a:extLst>
-              </p:cNvPr>
-              <p:cNvSpPr/>
-              <p:nvPr/>
-            </p:nvSpPr>
-            <p:spPr>
-              <a:xfrm>
-                <a:off x="3536301" y="1369653"/>
-                <a:ext cx="671805" cy="447870"/>
-              </a:xfrm>
-              <a:prstGeom prst="hexagon">
-                <a:avLst/>
-              </a:prstGeom>
-              <a:solidFill>
-                <a:schemeClr val="tx1"/>
-              </a:solidFill>
-              <a:ln>
-                <a:noFill/>
-              </a:ln>
-            </p:spPr>
-            <p:style>
-              <a:lnRef idx="2">
-                <a:schemeClr val="accent1">
-                  <a:shade val="50000"/>
-                </a:schemeClr>
-              </a:lnRef>
-              <a:fillRef idx="1">
-                <a:schemeClr val="accent1"/>
-              </a:fillRef>
-              <a:effectRef idx="0">
-                <a:schemeClr val="accent1"/>
-              </a:effectRef>
-              <a:fontRef idx="minor">
-                <a:schemeClr val="lt1"/>
-              </a:fontRef>
-            </p:style>
-            <p:txBody>
-              <a:bodyPr rtlCol="0" anchor="ctr"/>
-              <a:lstStyle/>
-              <a:p>
-                <a:pPr algn="ctr"/>
-                <a:r>
-                  <a:rPr lang="en-US" altLang="zh-CN" sz="2000" dirty="0">
-                    <a:latin typeface="微软雅黑" panose="020B0503020204020204" pitchFamily="34" charset="-122"/>
-                    <a:ea typeface="微软雅黑" panose="020B0503020204020204" pitchFamily="34" charset="-122"/>
-                  </a:rPr>
-                  <a:t>1</a:t>
-                </a:r>
-                <a:endParaRPr lang="zh-CN" altLang="en-US" sz="2000" dirty="0">
-                  <a:latin typeface="微软雅黑" panose="020B0503020204020204" pitchFamily="34" charset="-122"/>
-                  <a:ea typeface="微软雅黑" panose="020B0503020204020204" pitchFamily="34" charset="-122"/>
-                </a:endParaRPr>
-              </a:p>
-            </p:txBody>
-          </p:sp>
-          <p:sp>
-            <p:nvSpPr>
-              <p:cNvPr id="50" name="文本框 49">
-                <a:extLst>
-                  <a:ext uri="{FF2B5EF4-FFF2-40B4-BE49-F238E27FC236}">
-                    <a16:creationId xmlns:a16="http://schemas.microsoft.com/office/drawing/2014/main" id="{73F74D1D-C4EC-4C0F-B77D-F179235BD36C}"/>
-                  </a:ext>
-                </a:extLst>
-              </p:cNvPr>
-              <p:cNvSpPr txBox="1"/>
-              <p:nvPr/>
-            </p:nvSpPr>
-            <p:spPr>
-              <a:xfrm>
-                <a:off x="4337189" y="1408922"/>
-                <a:ext cx="2262158" cy="369332"/>
-              </a:xfrm>
-              <a:prstGeom prst="rect">
-                <a:avLst/>
-              </a:prstGeom>
-              <a:noFill/>
-            </p:spPr>
-            <p:txBody>
-              <a:bodyPr vert="horz" wrap="none" rtlCol="0">
-                <a:spAutoFit/>
-              </a:bodyPr>
-              <a:lstStyle/>
-              <a:p>
-                <a:r>
-                  <a:rPr lang="zh-CN" altLang="en-US" dirty="0">
-                    <a:latin typeface="微软雅黑" panose="020B0503020204020204" pitchFamily="34" charset="-122"/>
-                    <a:ea typeface="微软雅黑" panose="020B0503020204020204" pitchFamily="34" charset="-122"/>
-                  </a:rPr>
-                  <a:t>适用于其它激活函数</a:t>
-                </a:r>
-                <a:endParaRPr lang="en-US" altLang="zh-CN" dirty="0">
-                  <a:latin typeface="微软雅黑" panose="020B0503020204020204" pitchFamily="34" charset="-122"/>
-                  <a:ea typeface="微软雅黑" panose="020B0503020204020204" pitchFamily="34" charset="-122"/>
-                </a:endParaRPr>
-              </a:p>
-            </p:txBody>
-          </p:sp>
-        </p:grpSp>
-        <p:grpSp>
-          <p:nvGrpSpPr>
-            <p:cNvPr id="34" name="组合 33">
-              <a:extLst>
-                <a:ext uri="{FF2B5EF4-FFF2-40B4-BE49-F238E27FC236}">
-                  <a16:creationId xmlns:a16="http://schemas.microsoft.com/office/drawing/2014/main" id="{438D60F5-2E2B-4CB7-89E2-D7DBE932B435}"/>
-                </a:ext>
-              </a:extLst>
-            </p:cNvPr>
-            <p:cNvGrpSpPr/>
-            <p:nvPr/>
-          </p:nvGrpSpPr>
-          <p:grpSpPr>
-            <a:xfrm>
-              <a:off x="4807407" y="2472607"/>
-              <a:ext cx="3100557" cy="447870"/>
-              <a:chOff x="3536301" y="1369653"/>
-              <a:chExt cx="3100557" cy="447870"/>
-            </a:xfrm>
-          </p:grpSpPr>
-          <p:sp>
-            <p:nvSpPr>
-              <p:cNvPr id="47" name="六边形 46" descr="e7d195523061f1c021b92b3d25e54ab5e788c0576048880950C3AFFA1066A7153250F1349197BA8C5246BA9D557EC0274B8DA272D2431748978789E76D2CD7D1F11E7447C1D163F5D9CA1CD35DC7B6F0026C6BB43698AE8A1A50A3B34DA472CDA8898A116D2621F720577CEB1EC5AE786B3A577EC3E762EF9351D5FE95BB5FD00056FCA016A5904C">
-                <a:extLst>
-                  <a:ext uri="{FF2B5EF4-FFF2-40B4-BE49-F238E27FC236}">
-                    <a16:creationId xmlns:a16="http://schemas.microsoft.com/office/drawing/2014/main" id="{1DE46A74-8922-4BFD-B6CA-738D26187BB7}"/>
-                  </a:ext>
-                </a:extLst>
-              </p:cNvPr>
-              <p:cNvSpPr/>
-              <p:nvPr/>
-            </p:nvSpPr>
-            <p:spPr>
-              <a:xfrm>
-                <a:off x="3536301" y="1369653"/>
-                <a:ext cx="671805" cy="447870"/>
-              </a:xfrm>
-              <a:prstGeom prst="hexagon">
-                <a:avLst/>
-              </a:prstGeom>
-              <a:solidFill>
-                <a:schemeClr val="tx1"/>
-              </a:solidFill>
-              <a:ln>
-                <a:noFill/>
-              </a:ln>
-            </p:spPr>
-            <p:style>
-              <a:lnRef idx="2">
-                <a:schemeClr val="accent1">
-                  <a:shade val="50000"/>
-                </a:schemeClr>
-              </a:lnRef>
-              <a:fillRef idx="1">
-                <a:schemeClr val="accent1"/>
-              </a:fillRef>
-              <a:effectRef idx="0">
-                <a:schemeClr val="accent1"/>
-              </a:effectRef>
-              <a:fontRef idx="minor">
-                <a:schemeClr val="lt1"/>
-              </a:fontRef>
-            </p:style>
-            <p:txBody>
-              <a:bodyPr rtlCol="0" anchor="ctr"/>
-              <a:lstStyle/>
-              <a:p>
-                <a:pPr algn="ctr"/>
-                <a:r>
-                  <a:rPr lang="en-US" altLang="zh-CN" sz="2000" dirty="0">
-                    <a:latin typeface="微软雅黑" panose="020B0503020204020204" pitchFamily="34" charset="-122"/>
-                    <a:ea typeface="微软雅黑" panose="020B0503020204020204" pitchFamily="34" charset="-122"/>
-                  </a:rPr>
-                  <a:t>2</a:t>
-                </a:r>
-                <a:endParaRPr lang="zh-CN" altLang="en-US" sz="2000" dirty="0">
-                  <a:latin typeface="微软雅黑" panose="020B0503020204020204" pitchFamily="34" charset="-122"/>
-                  <a:ea typeface="微软雅黑" panose="020B0503020204020204" pitchFamily="34" charset="-122"/>
-                </a:endParaRPr>
-              </a:p>
-            </p:txBody>
-          </p:sp>
-          <mc:AlternateContent xmlns:mc="http://schemas.openxmlformats.org/markup-compatibility/2006" xmlns:a14="http://schemas.microsoft.com/office/drawing/2010/main">
-            <mc:Choice Requires="a14">
-              <p:sp>
-                <p:nvSpPr>
-                  <p:cNvPr id="48" name="文本框 47">
-                    <a:extLst>
-                      <a:ext uri="{FF2B5EF4-FFF2-40B4-BE49-F238E27FC236}">
-                        <a16:creationId xmlns:a16="http://schemas.microsoft.com/office/drawing/2014/main" id="{E86470FB-3596-4199-B6BE-83C686390424}"/>
-                      </a:ext>
-                    </a:extLst>
-                  </p:cNvPr>
-                  <p:cNvSpPr txBox="1"/>
-                  <p:nvPr/>
-                </p:nvSpPr>
-                <p:spPr>
-                  <a:xfrm>
-                    <a:off x="4337189" y="1408922"/>
-                    <a:ext cx="2299669" cy="369332"/>
-                  </a:xfrm>
-                  <a:prstGeom prst="rect">
-                    <a:avLst/>
-                  </a:prstGeom>
-                  <a:noFill/>
-                </p:spPr>
-                <p:txBody>
-                  <a:bodyPr vert="horz" wrap="none" rtlCol="0">
-                    <a:spAutoFit/>
-                  </a:bodyPr>
-                  <a:lstStyle/>
-                  <a:p>
-                    <a:r>
-                      <a:rPr lang="zh-CN" altLang="en-US" dirty="0">
-                        <a:latin typeface="微软雅黑" panose="020B0503020204020204" pitchFamily="34" charset="-122"/>
-                        <a:ea typeface="微软雅黑" panose="020B0503020204020204" pitchFamily="34" charset="-122"/>
-                      </a:rPr>
-                      <a:t>将复杂度将至</a:t>
-                    </a:r>
-                    <a14:m>
-                      <m:oMath xmlns:m="http://schemas.openxmlformats.org/officeDocument/2006/math">
-                        <m:sSup>
-                          <m:sSupPr>
-                            <m:ctrlPr>
-                              <a:rPr lang="en-US" altLang="zh-CN" i="1" smtClean="0">
-                                <a:latin typeface="Cambria Math" panose="02040503050406030204" pitchFamily="18" charset="0"/>
-                                <a:ea typeface="微软雅黑" panose="020B0503020204020204" pitchFamily="34" charset="-122"/>
-                              </a:rPr>
-                            </m:ctrlPr>
-                          </m:sSupPr>
-                          <m:e>
-                            <m:r>
-                              <a:rPr lang="en-US" altLang="zh-CN" b="0" i="1" smtClean="0">
-                                <a:latin typeface="Cambria Math" panose="02040503050406030204" pitchFamily="18" charset="0"/>
-                                <a:ea typeface="微软雅黑" panose="020B0503020204020204" pitchFamily="34" charset="-122"/>
-                              </a:rPr>
-                              <m:t>2</m:t>
-                            </m:r>
-                          </m:e>
-                          <m:sup>
-                            <m:r>
-                              <a:rPr lang="en-US" altLang="zh-CN" b="0" i="1" smtClean="0">
-                                <a:latin typeface="Cambria Math" panose="02040503050406030204" pitchFamily="18" charset="0"/>
-                                <a:ea typeface="微软雅黑" panose="020B0503020204020204" pitchFamily="34" charset="-122"/>
-                              </a:rPr>
-                              <m:t>𝑁</m:t>
-                            </m:r>
-                          </m:sup>
-                        </m:sSup>
-                      </m:oMath>
-                    </a14:m>
-                    <a:r>
-                      <a:rPr lang="zh-CN" altLang="en-US" dirty="0">
-                        <a:latin typeface="微软雅黑" panose="020B0503020204020204" pitchFamily="34" charset="-122"/>
-                        <a:ea typeface="微软雅黑" panose="020B0503020204020204" pitchFamily="34" charset="-122"/>
-                      </a:rPr>
-                      <a:t>以下</a:t>
-                    </a:r>
-                    <a:endParaRPr lang="en-US" altLang="zh-CN" dirty="0">
-                      <a:latin typeface="微软雅黑" panose="020B0503020204020204" pitchFamily="34" charset="-122"/>
-                      <a:ea typeface="微软雅黑" panose="020B0503020204020204" pitchFamily="34" charset="-122"/>
-                    </a:endParaRPr>
-                  </a:p>
-                </p:txBody>
-              </p:sp>
-            </mc:Choice>
-            <mc:Fallback xmlns="">
-              <p:sp>
-                <p:nvSpPr>
-                  <p:cNvPr id="48" name="文本框 47">
-                    <a:extLst>
-                      <a:ext uri="{FF2B5EF4-FFF2-40B4-BE49-F238E27FC236}">
-                        <a16:creationId xmlns:a16="http://schemas.microsoft.com/office/drawing/2014/main" id="{E86470FB-3596-4199-B6BE-83C686390424}"/>
-                      </a:ext>
-                    </a:extLst>
-                  </p:cNvPr>
-                  <p:cNvSpPr txBox="1">
-                    <a:spLocks noRot="1" noChangeAspect="1" noMove="1" noResize="1" noEditPoints="1" noAdjustHandles="1" noChangeArrowheads="1" noChangeShapeType="1" noTextEdit="1"/>
-                  </p:cNvSpPr>
-                  <p:nvPr/>
-                </p:nvSpPr>
-                <p:spPr>
-                  <a:xfrm>
-                    <a:off x="4337189" y="1408922"/>
-                    <a:ext cx="2299669" cy="369332"/>
-                  </a:xfrm>
-                  <a:prstGeom prst="rect">
-                    <a:avLst/>
-                  </a:prstGeom>
-                  <a:blipFill>
-                    <a:blip r:embed="rId3"/>
-                    <a:stretch>
-                      <a:fillRect l="-2122" t="-8197" r="-2387" b="-24590"/>
-                    </a:stretch>
-                  </a:blipFill>
-                </p:spPr>
-                <p:txBody>
-                  <a:bodyPr/>
-                  <a:lstStyle/>
-                  <a:p>
-                    <a:r>
-                      <a:rPr lang="zh-CN" altLang="en-US">
-                        <a:noFill/>
-                      </a:rPr>
-                      <a:t> </a:t>
-                    </a:r>
-                  </a:p>
-                </p:txBody>
-              </p:sp>
-            </mc:Fallback>
-          </mc:AlternateContent>
-        </p:grpSp>
-        <p:grpSp>
-          <p:nvGrpSpPr>
-            <p:cNvPr id="35" name="组合 34">
-              <a:extLst>
-                <a:ext uri="{FF2B5EF4-FFF2-40B4-BE49-F238E27FC236}">
-                  <a16:creationId xmlns:a16="http://schemas.microsoft.com/office/drawing/2014/main" id="{AAD18C9E-D152-48B7-9819-DD5843FA318F}"/>
-                </a:ext>
-              </a:extLst>
-            </p:cNvPr>
-            <p:cNvGrpSpPr/>
-            <p:nvPr/>
-          </p:nvGrpSpPr>
-          <p:grpSpPr>
-            <a:xfrm>
-              <a:off x="5139807" y="3121278"/>
-              <a:ext cx="3524711" cy="447870"/>
-              <a:chOff x="3536301" y="1369653"/>
-              <a:chExt cx="3524711" cy="447870"/>
-            </a:xfrm>
-          </p:grpSpPr>
-          <p:sp>
-            <p:nvSpPr>
-              <p:cNvPr id="45" name="六边形 44" descr="e7d195523061f1c021b92b3d25e54ab5e788c0576048880950C3AFFA1066A7153250F1349197BA8C5246BA9D557EC0274B8DA272D2431748978789E76D2CD7D1F11E7447C1D163F5D9CA1CD35DC7B6F0026C6BB43698AE8A1A50A3B34DA472CDA8898A116D2621F720577CEB1EC5AE786B3A577EC3E762EF9351D5FE95BB5FD00056FCA016A5904C">
-                <a:extLst>
-                  <a:ext uri="{FF2B5EF4-FFF2-40B4-BE49-F238E27FC236}">
-                    <a16:creationId xmlns:a16="http://schemas.microsoft.com/office/drawing/2014/main" id="{13DFEC9A-06B8-448D-8AF9-AD128831E4BB}"/>
-                  </a:ext>
-                </a:extLst>
-              </p:cNvPr>
-              <p:cNvSpPr/>
-              <p:nvPr/>
-            </p:nvSpPr>
-            <p:spPr>
-              <a:xfrm>
-                <a:off x="3536301" y="1369653"/>
-                <a:ext cx="671805" cy="447870"/>
-              </a:xfrm>
-              <a:prstGeom prst="hexagon">
-                <a:avLst/>
-              </a:prstGeom>
-              <a:solidFill>
-                <a:schemeClr val="tx1"/>
-              </a:solidFill>
-              <a:ln>
-                <a:noFill/>
-              </a:ln>
-            </p:spPr>
-            <p:style>
-              <a:lnRef idx="2">
-                <a:schemeClr val="accent1">
-                  <a:shade val="50000"/>
-                </a:schemeClr>
-              </a:lnRef>
-              <a:fillRef idx="1">
-                <a:schemeClr val="accent1"/>
-              </a:fillRef>
-              <a:effectRef idx="0">
-                <a:schemeClr val="accent1"/>
-              </a:effectRef>
-              <a:fontRef idx="minor">
-                <a:schemeClr val="lt1"/>
-              </a:fontRef>
-            </p:style>
-            <p:txBody>
-              <a:bodyPr rtlCol="0" anchor="ctr"/>
-              <a:lstStyle/>
-              <a:p>
-                <a:pPr algn="ctr"/>
-                <a:r>
-                  <a:rPr lang="en-US" altLang="zh-CN" sz="2000" dirty="0">
-                    <a:latin typeface="微软雅黑" panose="020B0503020204020204" pitchFamily="34" charset="-122"/>
-                    <a:ea typeface="微软雅黑" panose="020B0503020204020204" pitchFamily="34" charset="-122"/>
-                  </a:rPr>
-                  <a:t>3</a:t>
-                </a:r>
-                <a:endParaRPr lang="zh-CN" altLang="en-US" sz="2000" dirty="0">
-                  <a:latin typeface="微软雅黑" panose="020B0503020204020204" pitchFamily="34" charset="-122"/>
-                  <a:ea typeface="微软雅黑" panose="020B0503020204020204" pitchFamily="34" charset="-122"/>
-                </a:endParaRPr>
-              </a:p>
-            </p:txBody>
-          </p:sp>
-          <p:sp>
-            <p:nvSpPr>
-              <p:cNvPr id="46" name="文本框 45">
-                <a:extLst>
-                  <a:ext uri="{FF2B5EF4-FFF2-40B4-BE49-F238E27FC236}">
-                    <a16:creationId xmlns:a16="http://schemas.microsoft.com/office/drawing/2014/main" id="{AC835C5E-39F1-4730-AE4E-43C7010D43CC}"/>
-                  </a:ext>
-                </a:extLst>
-              </p:cNvPr>
-              <p:cNvSpPr txBox="1"/>
-              <p:nvPr/>
-            </p:nvSpPr>
-            <p:spPr>
-              <a:xfrm>
-                <a:off x="4337189" y="1408922"/>
-                <a:ext cx="2723823" cy="369332"/>
-              </a:xfrm>
-              <a:prstGeom prst="rect">
-                <a:avLst/>
-              </a:prstGeom>
-              <a:noFill/>
-            </p:spPr>
-            <p:txBody>
-              <a:bodyPr vert="horz" wrap="none" rtlCol="0">
-                <a:spAutoFit/>
-              </a:bodyPr>
-              <a:lstStyle/>
-              <a:p>
-                <a:r>
-                  <a:rPr lang="zh-CN" altLang="en-US" dirty="0">
-                    <a:latin typeface="微软雅黑" panose="020B0503020204020204" pitchFamily="34" charset="-122"/>
-                    <a:ea typeface="微软雅黑" panose="020B0503020204020204" pitchFamily="34" charset="-122"/>
-                  </a:rPr>
-                  <a:t>灵活地将高维输入可视化</a:t>
-                </a:r>
-                <a:endParaRPr lang="en-US" altLang="zh-CN" dirty="0">
-                  <a:latin typeface="微软雅黑" panose="020B0503020204020204" pitchFamily="34" charset="-122"/>
-                  <a:ea typeface="微软雅黑" panose="020B0503020204020204" pitchFamily="34" charset="-122"/>
-                </a:endParaRPr>
-              </a:p>
-            </p:txBody>
-          </p:sp>
-        </p:grpSp>
-        <p:grpSp>
-          <p:nvGrpSpPr>
-            <p:cNvPr id="36" name="组合 35">
-              <a:extLst>
-                <a:ext uri="{FF2B5EF4-FFF2-40B4-BE49-F238E27FC236}">
-                  <a16:creationId xmlns:a16="http://schemas.microsoft.com/office/drawing/2014/main" id="{60039849-CEDC-4D18-91D6-5802718DCE9B}"/>
-                </a:ext>
-              </a:extLst>
-            </p:cNvPr>
-            <p:cNvGrpSpPr/>
-            <p:nvPr/>
-          </p:nvGrpSpPr>
-          <p:grpSpPr>
-            <a:xfrm>
-              <a:off x="5475709" y="3767423"/>
-              <a:ext cx="3524711" cy="447870"/>
-              <a:chOff x="3536301" y="1369653"/>
-              <a:chExt cx="3524711" cy="447870"/>
-            </a:xfrm>
-          </p:grpSpPr>
-          <p:sp>
-            <p:nvSpPr>
-              <p:cNvPr id="43" name="六边形 42" descr="e7d195523061f1c021b92b3d25e54ab5e788c0576048880950C3AFFA1066A7153250F1349197BA8C5246BA9D557EC0274B8DA272D2431748978789E76D2CD7D1F11E7447C1D163F5D9CA1CD35DC7B6F0026C6BB43698AE8A1A50A3B34DA472CDA8898A116D2621F720577CEB1EC5AE786B3A577EC3E762EF9351D5FE95BB5FD00056FCA016A5904C">
-                <a:extLst>
-                  <a:ext uri="{FF2B5EF4-FFF2-40B4-BE49-F238E27FC236}">
-                    <a16:creationId xmlns:a16="http://schemas.microsoft.com/office/drawing/2014/main" id="{A6E3B9EB-1396-4B0F-A191-D1D4CDD2BE75}"/>
-                  </a:ext>
-                </a:extLst>
-              </p:cNvPr>
-              <p:cNvSpPr/>
-              <p:nvPr/>
-            </p:nvSpPr>
-            <p:spPr>
-              <a:xfrm>
-                <a:off x="3536301" y="1369653"/>
-                <a:ext cx="671805" cy="447870"/>
-              </a:xfrm>
-              <a:prstGeom prst="hexagon">
-                <a:avLst/>
-              </a:prstGeom>
-              <a:solidFill>
-                <a:schemeClr val="tx1"/>
-              </a:solidFill>
-              <a:ln>
-                <a:noFill/>
-              </a:ln>
-            </p:spPr>
-            <p:style>
-              <a:lnRef idx="2">
-                <a:schemeClr val="accent1">
-                  <a:shade val="50000"/>
-                </a:schemeClr>
-              </a:lnRef>
-              <a:fillRef idx="1">
-                <a:schemeClr val="accent1"/>
-              </a:fillRef>
-              <a:effectRef idx="0">
-                <a:schemeClr val="accent1"/>
-              </a:effectRef>
-              <a:fontRef idx="minor">
-                <a:schemeClr val="lt1"/>
-              </a:fontRef>
-            </p:style>
-            <p:txBody>
-              <a:bodyPr rtlCol="0" anchor="ctr"/>
-              <a:lstStyle/>
-              <a:p>
-                <a:pPr algn="ctr"/>
-                <a:r>
-                  <a:rPr lang="en-US" altLang="zh-CN" sz="2000" dirty="0">
-                    <a:latin typeface="微软雅黑" panose="020B0503020204020204" pitchFamily="34" charset="-122"/>
-                    <a:ea typeface="微软雅黑" panose="020B0503020204020204" pitchFamily="34" charset="-122"/>
-                  </a:rPr>
-                  <a:t>4</a:t>
-                </a:r>
-                <a:endParaRPr lang="zh-CN" altLang="en-US" sz="2000" dirty="0">
-                  <a:latin typeface="微软雅黑" panose="020B0503020204020204" pitchFamily="34" charset="-122"/>
-                  <a:ea typeface="微软雅黑" panose="020B0503020204020204" pitchFamily="34" charset="-122"/>
-                </a:endParaRPr>
-              </a:p>
-            </p:txBody>
-          </p:sp>
-          <p:sp>
-            <p:nvSpPr>
-              <p:cNvPr id="44" name="文本框 43">
-                <a:extLst>
-                  <a:ext uri="{FF2B5EF4-FFF2-40B4-BE49-F238E27FC236}">
-                    <a16:creationId xmlns:a16="http://schemas.microsoft.com/office/drawing/2014/main" id="{F1085CE0-0BA0-49F7-AC77-7B180A96C3A7}"/>
-                  </a:ext>
-                </a:extLst>
-              </p:cNvPr>
-              <p:cNvSpPr txBox="1"/>
-              <p:nvPr/>
-            </p:nvSpPr>
-            <p:spPr>
-              <a:xfrm>
-                <a:off x="4337189" y="1408922"/>
-                <a:ext cx="2723823" cy="369332"/>
-              </a:xfrm>
-              <a:prstGeom prst="rect">
-                <a:avLst/>
-              </a:prstGeom>
-              <a:noFill/>
-            </p:spPr>
-            <p:txBody>
-              <a:bodyPr vert="horz" wrap="none" rtlCol="0">
-                <a:spAutoFit/>
-              </a:bodyPr>
-              <a:lstStyle/>
-              <a:p>
-                <a:r>
-                  <a:rPr lang="zh-CN" altLang="en-US" dirty="0">
-                    <a:latin typeface="微软雅黑" panose="020B0503020204020204" pitchFamily="34" charset="-122"/>
-                    <a:ea typeface="微软雅黑" panose="020B0503020204020204" pitchFamily="34" charset="-122"/>
-                  </a:rPr>
-                  <a:t>自动化分析系统解析结果</a:t>
-                </a:r>
-                <a:endParaRPr lang="en-US" altLang="zh-CN" dirty="0">
-                  <a:latin typeface="微软雅黑" panose="020B0503020204020204" pitchFamily="34" charset="-122"/>
-                  <a:ea typeface="微软雅黑" panose="020B0503020204020204" pitchFamily="34" charset="-122"/>
-                </a:endParaRPr>
-              </a:p>
-            </p:txBody>
-          </p:sp>
-        </p:grpSp>
-        <p:grpSp>
-          <p:nvGrpSpPr>
-            <p:cNvPr id="37" name="组合 36">
-              <a:extLst>
-                <a:ext uri="{FF2B5EF4-FFF2-40B4-BE49-F238E27FC236}">
-                  <a16:creationId xmlns:a16="http://schemas.microsoft.com/office/drawing/2014/main" id="{DD9B7AC0-5AF1-4993-BF44-4EC2026A5179}"/>
-                </a:ext>
-              </a:extLst>
-            </p:cNvPr>
-            <p:cNvGrpSpPr/>
-            <p:nvPr/>
-          </p:nvGrpSpPr>
-          <p:grpSpPr>
-            <a:xfrm>
-              <a:off x="5811611" y="4413568"/>
-              <a:ext cx="3063046" cy="447870"/>
-              <a:chOff x="3536301" y="1369653"/>
-              <a:chExt cx="3063046" cy="447870"/>
-            </a:xfrm>
-          </p:grpSpPr>
-          <p:sp>
-            <p:nvSpPr>
-              <p:cNvPr id="41" name="六边形 40" descr="e7d195523061f1c021b92b3d25e54ab5e788c0576048880950C3AFFA1066A7153250F1349197BA8C5246BA9D557EC0274B8DA272D2431748978789E76D2CD7D1F11E7447C1D163F5D9CA1CD35DC7B6F0026C6BB43698AE8A1A50A3B34DA472CDA8898A116D2621F720577CEB1EC5AE786B3A577EC3E762EF9351D5FE95BB5FD00056FCA016A5904C">
-                <a:extLst>
-                  <a:ext uri="{FF2B5EF4-FFF2-40B4-BE49-F238E27FC236}">
-                    <a16:creationId xmlns:a16="http://schemas.microsoft.com/office/drawing/2014/main" id="{0DE31C42-18B0-4A93-9FD7-B2B45CD17120}"/>
-                  </a:ext>
-                </a:extLst>
-              </p:cNvPr>
-              <p:cNvSpPr/>
-              <p:nvPr/>
-            </p:nvSpPr>
-            <p:spPr>
-              <a:xfrm>
-                <a:off x="3536301" y="1369653"/>
-                <a:ext cx="671805" cy="447870"/>
-              </a:xfrm>
-              <a:prstGeom prst="hexagon">
-                <a:avLst/>
-              </a:prstGeom>
-              <a:solidFill>
-                <a:schemeClr val="tx1"/>
-              </a:solidFill>
-              <a:ln>
-                <a:noFill/>
-              </a:ln>
-            </p:spPr>
-            <p:style>
-              <a:lnRef idx="2">
-                <a:schemeClr val="accent1">
-                  <a:shade val="50000"/>
-                </a:schemeClr>
-              </a:lnRef>
-              <a:fillRef idx="1">
-                <a:schemeClr val="accent1"/>
-              </a:fillRef>
-              <a:effectRef idx="0">
-                <a:schemeClr val="accent1"/>
-              </a:effectRef>
-              <a:fontRef idx="minor">
-                <a:schemeClr val="lt1"/>
-              </a:fontRef>
-            </p:style>
-            <p:txBody>
-              <a:bodyPr rtlCol="0" anchor="ctr"/>
-              <a:lstStyle/>
-              <a:p>
-                <a:pPr algn="ctr"/>
-                <a:r>
-                  <a:rPr lang="en-US" altLang="zh-CN" sz="2000" dirty="0">
-                    <a:latin typeface="微软雅黑" panose="020B0503020204020204" pitchFamily="34" charset="-122"/>
-                    <a:ea typeface="微软雅黑" panose="020B0503020204020204" pitchFamily="34" charset="-122"/>
-                  </a:rPr>
-                  <a:t>5</a:t>
-                </a:r>
-                <a:endParaRPr lang="zh-CN" altLang="en-US" sz="2000" dirty="0">
-                  <a:latin typeface="微软雅黑" panose="020B0503020204020204" pitchFamily="34" charset="-122"/>
-                  <a:ea typeface="微软雅黑" panose="020B0503020204020204" pitchFamily="34" charset="-122"/>
-                </a:endParaRPr>
-              </a:p>
-            </p:txBody>
-          </p:sp>
-          <p:sp>
-            <p:nvSpPr>
-              <p:cNvPr id="42" name="文本框 41">
-                <a:extLst>
-                  <a:ext uri="{FF2B5EF4-FFF2-40B4-BE49-F238E27FC236}">
-                    <a16:creationId xmlns:a16="http://schemas.microsoft.com/office/drawing/2014/main" id="{8F624994-17D8-420F-857D-235A3477BAAF}"/>
-                  </a:ext>
-                </a:extLst>
-              </p:cNvPr>
-              <p:cNvSpPr txBox="1"/>
-              <p:nvPr/>
-            </p:nvSpPr>
-            <p:spPr>
-              <a:xfrm>
-                <a:off x="4337189" y="1408922"/>
-                <a:ext cx="2262158" cy="369332"/>
-              </a:xfrm>
-              <a:prstGeom prst="rect">
-                <a:avLst/>
-              </a:prstGeom>
-              <a:noFill/>
-            </p:spPr>
-            <p:txBody>
-              <a:bodyPr vert="horz" wrap="none" rtlCol="0">
-                <a:spAutoFit/>
-              </a:bodyPr>
-              <a:lstStyle/>
-              <a:p>
-                <a:r>
-                  <a:rPr lang="zh-CN" altLang="en-US" dirty="0">
-                    <a:latin typeface="微软雅黑" panose="020B0503020204020204" pitchFamily="34" charset="-122"/>
-                    <a:ea typeface="微软雅黑" panose="020B0503020204020204" pitchFamily="34" charset="-122"/>
-                  </a:rPr>
-                  <a:t>与其它研究结合应用</a:t>
-                </a:r>
-                <a:endParaRPr lang="en-US" altLang="zh-CN" dirty="0">
-                  <a:latin typeface="微软雅黑" panose="020B0503020204020204" pitchFamily="34" charset="-122"/>
-                  <a:ea typeface="微软雅黑" panose="020B0503020204020204" pitchFamily="34" charset="-122"/>
-                </a:endParaRPr>
-              </a:p>
-            </p:txBody>
-          </p:sp>
-        </p:grpSp>
-      </p:grpSp>
-    </p:spTree>
-    <p:extLst>
-      <p:ext uri="{BB962C8B-B14F-4D97-AF65-F5344CB8AC3E}">
-        <p14:creationId xmlns:p14="http://schemas.microsoft.com/office/powerpoint/2010/main" val="3336617069"/>
       </p:ext>
     </p:extLst>
   </p:cSld>
